--- a/Масштабируемость кода.pptx
+++ b/Масштабируемость кода.pptx
@@ -7,13 +7,17 @@
     <p:sldMasterId id="2147483765" r:id="rId3"/>
   </p:sldMasterIdLst>
   <p:notesMasterIdLst>
-    <p:notesMasterId r:id="rId8"/>
+    <p:notesMasterId r:id="rId12"/>
   </p:notesMasterIdLst>
   <p:sldIdLst>
     <p:sldId id="2727" r:id="rId4"/>
     <p:sldId id="2698" r:id="rId5"/>
-    <p:sldId id="2725" r:id="rId6"/>
-    <p:sldId id="2702" r:id="rId7"/>
+    <p:sldId id="2706" r:id="rId6"/>
+    <p:sldId id="2728" r:id="rId7"/>
+    <p:sldId id="2730" r:id="rId8"/>
+    <p:sldId id="2729" r:id="rId9"/>
+    <p:sldId id="2702" r:id="rId10"/>
+    <p:sldId id="2725" r:id="rId11"/>
   </p:sldIdLst>
   <p:sldSz cx="12192000" cy="6858000"/>
   <p:notesSz cx="6858000" cy="9144000"/>
@@ -115,16 +119,24 @@
   <p:extLst>
     <p:ext uri="{521415D9-36F7-43E2-AB2F-B90AF26B5E84}">
       <p14:sectionLst xmlns:p14="http://schemas.microsoft.com/office/powerpoint/2010/main">
-        <p14:section name="Раздел по умолчанию" id="{56670EAE-8010-481A-A232-1983F57730FE}">
+        <p14:section name="Шапка" id="{56670EAE-8010-481A-A232-1983F57730FE}">
           <p14:sldIdLst>
             <p14:sldId id="2727"/>
             <p14:sldId id="2698"/>
-            <p14:sldId id="2725"/>
           </p14:sldIdLst>
         </p14:section>
-        <p14:section name="риски и проблемы" id="{3AE7AD22-B89B-4958-903A-5783334F1E74}">
+        <p14:section name="Где вести доработки" id="{3AE7AD22-B89B-4958-903A-5783334F1E74}">
+          <p14:sldIdLst>
+            <p14:sldId id="2706"/>
+            <p14:sldId id="2728"/>
+            <p14:sldId id="2730"/>
+            <p14:sldId id="2729"/>
+          </p14:sldIdLst>
+        </p14:section>
+        <p14:section name="Подвал" id="{931FC88D-01AA-4B78-9276-E6347BCCFF4A}">
           <p14:sldIdLst>
             <p14:sldId id="2702"/>
+            <p14:sldId id="2725"/>
           </p14:sldIdLst>
         </p14:section>
       </p14:sectionLst>
@@ -1074,6 +1086,46 @@
     </pc:docChg>
   </pc:docChgLst>
   <pc:docChgLst>
+    <pc:chgData name="Круглов Дмитрий" userId="c6a0173caf3e6072" providerId="Windows Live" clId="Web-{019C4F2C-3DA0-4128-A29D-BEC366BFAC24}"/>
+    <pc:docChg chg="modSld">
+      <pc:chgData name="Круглов Дмитрий" userId="c6a0173caf3e6072" providerId="Windows Live" clId="Web-{019C4F2C-3DA0-4128-A29D-BEC366BFAC24}" dt="2023-03-22T11:01:23.134" v="1034" actId="1076"/>
+      <pc:docMkLst>
+        <pc:docMk/>
+      </pc:docMkLst>
+      <pc:sldChg chg="modSp">
+        <pc:chgData name="Круглов Дмитрий" userId="c6a0173caf3e6072" providerId="Windows Live" clId="Web-{019C4F2C-3DA0-4128-A29D-BEC366BFAC24}" dt="2023-03-22T11:01:23.134" v="1034" actId="1076"/>
+        <pc:sldMkLst>
+          <pc:docMk/>
+          <pc:sldMk cId="2663992649" sldId="2726"/>
+        </pc:sldMkLst>
+        <pc:spChg chg="mod">
+          <ac:chgData name="Круглов Дмитрий" userId="c6a0173caf3e6072" providerId="Windows Live" clId="Web-{019C4F2C-3DA0-4128-A29D-BEC366BFAC24}" dt="2023-03-22T11:01:16.056" v="1032" actId="1076"/>
+          <ac:spMkLst>
+            <pc:docMk/>
+            <pc:sldMk cId="2663992649" sldId="2726"/>
+            <ac:spMk id="5" creationId="{E117C401-AE3C-9FD9-1CAB-E7D28F76FE6A}"/>
+          </ac:spMkLst>
+        </pc:spChg>
+        <pc:spChg chg="mod">
+          <ac:chgData name="Круглов Дмитрий" userId="c6a0173caf3e6072" providerId="Windows Live" clId="Web-{019C4F2C-3DA0-4128-A29D-BEC366BFAC24}" dt="2023-03-22T11:01:19.259" v="1033" actId="1076"/>
+          <ac:spMkLst>
+            <pc:docMk/>
+            <pc:sldMk cId="2663992649" sldId="2726"/>
+            <ac:spMk id="7" creationId="{AF852372-C144-B794-F1B6-B96447171E35}"/>
+          </ac:spMkLst>
+        </pc:spChg>
+        <pc:spChg chg="mod">
+          <ac:chgData name="Круглов Дмитрий" userId="c6a0173caf3e6072" providerId="Windows Live" clId="Web-{019C4F2C-3DA0-4128-A29D-BEC366BFAC24}" dt="2023-03-22T11:01:23.134" v="1034" actId="1076"/>
+          <ac:spMkLst>
+            <pc:docMk/>
+            <pc:sldMk cId="2663992649" sldId="2726"/>
+            <ac:spMk id="9" creationId="{E3111189-9697-30ED-989F-2C5048ADC663}"/>
+          </ac:spMkLst>
+        </pc:spChg>
+      </pc:sldChg>
+    </pc:docChg>
+  </pc:docChgLst>
+  <pc:docChgLst>
     <pc:chgData name="Круглов Дмитрий" userId="c6a0173caf3e6072" providerId="Windows Live" clId="Web-{31CCDD0C-2F20-4DD4-BB11-6C91B661371F}"/>
     <pc:docChg chg="modSld">
       <pc:chgData name="Круглов Дмитрий" userId="c6a0173caf3e6072" providerId="Windows Live" clId="Web-{31CCDD0C-2F20-4DD4-BB11-6C91B661371F}" dt="2023-03-22T12:13:35.593" v="1666"/>
@@ -1496,46 +1548,6 @@
           <ac:spMkLst>
             <pc:docMk/>
             <pc:sldMk cId="1583181185" sldId="2750"/>
-            <ac:spMk id="9" creationId="{E3111189-9697-30ED-989F-2C5048ADC663}"/>
-          </ac:spMkLst>
-        </pc:spChg>
-      </pc:sldChg>
-    </pc:docChg>
-  </pc:docChgLst>
-  <pc:docChgLst>
-    <pc:chgData name="Круглов Дмитрий" userId="c6a0173caf3e6072" providerId="Windows Live" clId="Web-{019C4F2C-3DA0-4128-A29D-BEC366BFAC24}"/>
-    <pc:docChg chg="modSld">
-      <pc:chgData name="Круглов Дмитрий" userId="c6a0173caf3e6072" providerId="Windows Live" clId="Web-{019C4F2C-3DA0-4128-A29D-BEC366BFAC24}" dt="2023-03-22T11:01:23.134" v="1034" actId="1076"/>
-      <pc:docMkLst>
-        <pc:docMk/>
-      </pc:docMkLst>
-      <pc:sldChg chg="modSp">
-        <pc:chgData name="Круглов Дмитрий" userId="c6a0173caf3e6072" providerId="Windows Live" clId="Web-{019C4F2C-3DA0-4128-A29D-BEC366BFAC24}" dt="2023-03-22T11:01:23.134" v="1034" actId="1076"/>
-        <pc:sldMkLst>
-          <pc:docMk/>
-          <pc:sldMk cId="2663992649" sldId="2726"/>
-        </pc:sldMkLst>
-        <pc:spChg chg="mod">
-          <ac:chgData name="Круглов Дмитрий" userId="c6a0173caf3e6072" providerId="Windows Live" clId="Web-{019C4F2C-3DA0-4128-A29D-BEC366BFAC24}" dt="2023-03-22T11:01:16.056" v="1032" actId="1076"/>
-          <ac:spMkLst>
-            <pc:docMk/>
-            <pc:sldMk cId="2663992649" sldId="2726"/>
-            <ac:spMk id="5" creationId="{E117C401-AE3C-9FD9-1CAB-E7D28F76FE6A}"/>
-          </ac:spMkLst>
-        </pc:spChg>
-        <pc:spChg chg="mod">
-          <ac:chgData name="Круглов Дмитрий" userId="c6a0173caf3e6072" providerId="Windows Live" clId="Web-{019C4F2C-3DA0-4128-A29D-BEC366BFAC24}" dt="2023-03-22T11:01:19.259" v="1033" actId="1076"/>
-          <ac:spMkLst>
-            <pc:docMk/>
-            <pc:sldMk cId="2663992649" sldId="2726"/>
-            <ac:spMk id="7" creationId="{AF852372-C144-B794-F1B6-B96447171E35}"/>
-          </ac:spMkLst>
-        </pc:spChg>
-        <pc:spChg chg="mod">
-          <ac:chgData name="Круглов Дмитрий" userId="c6a0173caf3e6072" providerId="Windows Live" clId="Web-{019C4F2C-3DA0-4128-A29D-BEC366BFAC24}" dt="2023-03-22T11:01:23.134" v="1034" actId="1076"/>
-          <ac:spMkLst>
-            <pc:docMk/>
-            <pc:sldMk cId="2663992649" sldId="2726"/>
             <ac:spMk id="9" creationId="{E3111189-9697-30ED-989F-2C5048ADC663}"/>
           </ac:spMkLst>
         </pc:spChg>
@@ -2441,7 +2453,7 @@
           <a:p>
             <a:fld id="{2EC66B68-2E2F-954C-B62B-CC0C7826615F}" type="datetimeFigureOut">
               <a:rPr lang="ru-RU" smtClean="0"/>
-              <a:t>24.11.2023</a:t>
+              <a:t>27.11.2023</a:t>
             </a:fld>
             <a:endParaRPr lang="ru-RU"/>
           </a:p>
@@ -2792,6 +2804,258 @@
 </p:notes>
 </file>
 
+<file path=ppt/notesSlides/notesSlide2.xml><?xml version="1.0" encoding="utf-8"?>
+<p:notes xmlns:a="http://schemas.openxmlformats.org/drawingml/2006/main" xmlns:r="http://schemas.openxmlformats.org/officeDocument/2006/relationships" xmlns:p="http://schemas.openxmlformats.org/presentationml/2006/main">
+  <p:cSld>
+    <p:spTree>
+      <p:nvGrpSpPr>
+        <p:cNvPr id="1" name=""/>
+        <p:cNvGrpSpPr/>
+        <p:nvPr/>
+      </p:nvGrpSpPr>
+      <p:grpSpPr>
+        <a:xfrm>
+          <a:off x="0" y="0"/>
+          <a:ext cx="0" cy="0"/>
+          <a:chOff x="0" y="0"/>
+          <a:chExt cx="0" cy="0"/>
+        </a:xfrm>
+      </p:grpSpPr>
+      <p:sp>
+        <p:nvSpPr>
+          <p:cNvPr id="2" name="Образ слайда 1"/>
+          <p:cNvSpPr>
+            <a:spLocks noGrp="1" noRot="1" noChangeAspect="1"/>
+          </p:cNvSpPr>
+          <p:nvPr>
+            <p:ph type="sldImg"/>
+          </p:nvPr>
+        </p:nvSpPr>
+        <p:spPr/>
+      </p:sp>
+      <p:sp>
+        <p:nvSpPr>
+          <p:cNvPr id="3" name="Заметки 2"/>
+          <p:cNvSpPr>
+            <a:spLocks noGrp="1"/>
+          </p:cNvSpPr>
+          <p:nvPr>
+            <p:ph type="body" idx="1"/>
+          </p:nvPr>
+        </p:nvSpPr>
+        <p:spPr/>
+        <p:txBody>
+          <a:bodyPr/>
+          <a:lstStyle/>
+          <a:p>
+            <a:endParaRPr lang="ru-RU" dirty="0"/>
+          </a:p>
+        </p:txBody>
+      </p:sp>
+      <p:sp>
+        <p:nvSpPr>
+          <p:cNvPr id="4" name="Номер слайда 3"/>
+          <p:cNvSpPr>
+            <a:spLocks noGrp="1"/>
+          </p:cNvSpPr>
+          <p:nvPr>
+            <p:ph type="sldNum" sz="quarter" idx="5"/>
+          </p:nvPr>
+        </p:nvSpPr>
+        <p:spPr/>
+        <p:txBody>
+          <a:bodyPr/>
+          <a:lstStyle/>
+          <a:p>
+            <a:fld id="{794B0869-BA82-D240-A979-661268D635CB}" type="slidenum">
+              <a:rPr lang="ru-RU" smtClean="0"/>
+              <a:t>4</a:t>
+            </a:fld>
+            <a:endParaRPr lang="ru-RU"/>
+          </a:p>
+        </p:txBody>
+      </p:sp>
+    </p:spTree>
+    <p:extLst>
+      <p:ext uri="{BB962C8B-B14F-4D97-AF65-F5344CB8AC3E}">
+        <p14:creationId xmlns:p14="http://schemas.microsoft.com/office/powerpoint/2010/main" val="2552828808"/>
+      </p:ext>
+    </p:extLst>
+  </p:cSld>
+  <p:clrMapOvr>
+    <a:masterClrMapping/>
+  </p:clrMapOvr>
+</p:notes>
+</file>
+
+<file path=ppt/notesSlides/notesSlide3.xml><?xml version="1.0" encoding="utf-8"?>
+<p:notes xmlns:a="http://schemas.openxmlformats.org/drawingml/2006/main" xmlns:r="http://schemas.openxmlformats.org/officeDocument/2006/relationships" xmlns:p="http://schemas.openxmlformats.org/presentationml/2006/main">
+  <p:cSld>
+    <p:spTree>
+      <p:nvGrpSpPr>
+        <p:cNvPr id="1" name=""/>
+        <p:cNvGrpSpPr/>
+        <p:nvPr/>
+      </p:nvGrpSpPr>
+      <p:grpSpPr>
+        <a:xfrm>
+          <a:off x="0" y="0"/>
+          <a:ext cx="0" cy="0"/>
+          <a:chOff x="0" y="0"/>
+          <a:chExt cx="0" cy="0"/>
+        </a:xfrm>
+      </p:grpSpPr>
+      <p:sp>
+        <p:nvSpPr>
+          <p:cNvPr id="2" name="Образ слайда 1"/>
+          <p:cNvSpPr>
+            <a:spLocks noGrp="1" noRot="1" noChangeAspect="1"/>
+          </p:cNvSpPr>
+          <p:nvPr>
+            <p:ph type="sldImg"/>
+          </p:nvPr>
+        </p:nvSpPr>
+        <p:spPr/>
+      </p:sp>
+      <p:sp>
+        <p:nvSpPr>
+          <p:cNvPr id="3" name="Заметки 2"/>
+          <p:cNvSpPr>
+            <a:spLocks noGrp="1"/>
+          </p:cNvSpPr>
+          <p:nvPr>
+            <p:ph type="body" idx="1"/>
+          </p:nvPr>
+        </p:nvSpPr>
+        <p:spPr/>
+        <p:txBody>
+          <a:bodyPr/>
+          <a:lstStyle/>
+          <a:p>
+            <a:endParaRPr lang="ru-RU" dirty="0"/>
+          </a:p>
+        </p:txBody>
+      </p:sp>
+      <p:sp>
+        <p:nvSpPr>
+          <p:cNvPr id="4" name="Номер слайда 3"/>
+          <p:cNvSpPr>
+            <a:spLocks noGrp="1"/>
+          </p:cNvSpPr>
+          <p:nvPr>
+            <p:ph type="sldNum" sz="quarter" idx="5"/>
+          </p:nvPr>
+        </p:nvSpPr>
+        <p:spPr/>
+        <p:txBody>
+          <a:bodyPr/>
+          <a:lstStyle/>
+          <a:p>
+            <a:fld id="{794B0869-BA82-D240-A979-661268D635CB}" type="slidenum">
+              <a:rPr lang="ru-RU" smtClean="0"/>
+              <a:t>5</a:t>
+            </a:fld>
+            <a:endParaRPr lang="ru-RU"/>
+          </a:p>
+        </p:txBody>
+      </p:sp>
+    </p:spTree>
+    <p:extLst>
+      <p:ext uri="{BB962C8B-B14F-4D97-AF65-F5344CB8AC3E}">
+        <p14:creationId xmlns:p14="http://schemas.microsoft.com/office/powerpoint/2010/main" val="4019739786"/>
+      </p:ext>
+    </p:extLst>
+  </p:cSld>
+  <p:clrMapOvr>
+    <a:masterClrMapping/>
+  </p:clrMapOvr>
+</p:notes>
+</file>
+
+<file path=ppt/notesSlides/notesSlide4.xml><?xml version="1.0" encoding="utf-8"?>
+<p:notes xmlns:a="http://schemas.openxmlformats.org/drawingml/2006/main" xmlns:r="http://schemas.openxmlformats.org/officeDocument/2006/relationships" xmlns:p="http://schemas.openxmlformats.org/presentationml/2006/main">
+  <p:cSld>
+    <p:spTree>
+      <p:nvGrpSpPr>
+        <p:cNvPr id="1" name=""/>
+        <p:cNvGrpSpPr/>
+        <p:nvPr/>
+      </p:nvGrpSpPr>
+      <p:grpSpPr>
+        <a:xfrm>
+          <a:off x="0" y="0"/>
+          <a:ext cx="0" cy="0"/>
+          <a:chOff x="0" y="0"/>
+          <a:chExt cx="0" cy="0"/>
+        </a:xfrm>
+      </p:grpSpPr>
+      <p:sp>
+        <p:nvSpPr>
+          <p:cNvPr id="2" name="Образ слайда 1"/>
+          <p:cNvSpPr>
+            <a:spLocks noGrp="1" noRot="1" noChangeAspect="1"/>
+          </p:cNvSpPr>
+          <p:nvPr>
+            <p:ph type="sldImg"/>
+          </p:nvPr>
+        </p:nvSpPr>
+        <p:spPr/>
+      </p:sp>
+      <p:sp>
+        <p:nvSpPr>
+          <p:cNvPr id="3" name="Заметки 2"/>
+          <p:cNvSpPr>
+            <a:spLocks noGrp="1"/>
+          </p:cNvSpPr>
+          <p:nvPr>
+            <p:ph type="body" idx="1"/>
+          </p:nvPr>
+        </p:nvSpPr>
+        <p:spPr/>
+        <p:txBody>
+          <a:bodyPr/>
+          <a:lstStyle/>
+          <a:p>
+            <a:endParaRPr lang="ru-RU" dirty="0"/>
+          </a:p>
+        </p:txBody>
+      </p:sp>
+      <p:sp>
+        <p:nvSpPr>
+          <p:cNvPr id="4" name="Номер слайда 3"/>
+          <p:cNvSpPr>
+            <a:spLocks noGrp="1"/>
+          </p:cNvSpPr>
+          <p:nvPr>
+            <p:ph type="sldNum" sz="quarter" idx="5"/>
+          </p:nvPr>
+        </p:nvSpPr>
+        <p:spPr/>
+        <p:txBody>
+          <a:bodyPr/>
+          <a:lstStyle/>
+          <a:p>
+            <a:fld id="{794B0869-BA82-D240-A979-661268D635CB}" type="slidenum">
+              <a:rPr lang="ru-RU" smtClean="0"/>
+              <a:t>6</a:t>
+            </a:fld>
+            <a:endParaRPr lang="ru-RU"/>
+          </a:p>
+        </p:txBody>
+      </p:sp>
+    </p:spTree>
+    <p:extLst>
+      <p:ext uri="{BB962C8B-B14F-4D97-AF65-F5344CB8AC3E}">
+        <p14:creationId xmlns:p14="http://schemas.microsoft.com/office/powerpoint/2010/main" val="3057248959"/>
+      </p:ext>
+    </p:extLst>
+  </p:cSld>
+  <p:clrMapOvr>
+    <a:masterClrMapping/>
+  </p:clrMapOvr>
+</p:notes>
+</file>
+
 <file path=ppt/slideLayouts/slideLayout1.xml><?xml version="1.0" encoding="utf-8"?>
 <p:sldLayout xmlns:a="http://schemas.openxmlformats.org/drawingml/2006/main" xmlns:r="http://schemas.openxmlformats.org/officeDocument/2006/relationships" xmlns:p="http://schemas.openxmlformats.org/presentationml/2006/main" preserve="1" userDrawn="1">
   <p:cSld name="Титульный слайд - белый">
@@ -36420,7 +36684,7 @@
           <a:p>
             <a:fld id="{1B88BA29-D8A8-F64E-9719-4E5AC18172A1}" type="datetimeFigureOut">
               <a:rPr lang="ru-RU" smtClean="0"/>
-              <a:t>24.11.2023</a:t>
+              <a:t>27.11.2023</a:t>
             </a:fld>
             <a:endParaRPr lang="ru-RU"/>
           </a:p>
@@ -37028,7 +37292,7 @@
           <a:p>
             <a:fld id="{1B88BA29-D8A8-F64E-9719-4E5AC18172A1}" type="datetimeFigureOut">
               <a:rPr lang="ru-RU" smtClean="0"/>
-              <a:t>24.11.2023</a:t>
+              <a:t>27.11.2023</a:t>
             </a:fld>
             <a:endParaRPr lang="ru-RU"/>
           </a:p>
@@ -38397,7 +38661,7 @@
                 <a:latin typeface="Times New Roman"/>
                 <a:cs typeface="Times New Roman"/>
               </a:rPr>
-              <a:t>Лучшие практики и рекомендации по доработке конфигураций</a:t>
+              <a:t>Лучшие практики и рекомендации по доработке типовых конфигураций</a:t>
             </a:r>
             <a:endParaRPr lang="ru-RU" sz="2800" dirty="0">
               <a:solidFill>
@@ -38499,8 +38763,8 @@
         </p:nvSpPr>
         <p:spPr>
           <a:xfrm>
-            <a:off x="673414" y="797058"/>
-            <a:ext cx="11228594" cy="5724644"/>
+            <a:off x="673414" y="663785"/>
+            <a:ext cx="11228594" cy="4801314"/>
           </a:xfrm>
           <a:prstGeom prst="rect">
             <a:avLst/>
@@ -38513,7 +38777,10 @@
           </a:bodyPr>
           <a:lstStyle/>
           <a:p>
-            <a:pPr marL="285750" indent="-432000">
+            <a:pPr indent="-432000">
+              <a:spcBef>
+                <a:spcPts val="1200"/>
+              </a:spcBef>
               <a:buClr>
                 <a:schemeClr val="accent4"/>
               </a:buClr>
@@ -38534,7 +38801,7 @@
             </a:r>
           </a:p>
           <a:p>
-            <a:pPr marL="800100" lvl="1" indent="-342900">
+            <a:pPr marL="0" lvl="1" indent="-342900">
               <a:buClr>
                 <a:schemeClr val="accent4"/>
               </a:buClr>
@@ -38551,7 +38818,7 @@
             </a:r>
           </a:p>
           <a:p>
-            <a:pPr marL="800100" lvl="1" indent="-342900">
+            <a:pPr marL="0" lvl="1" indent="-342900">
               <a:buClr>
                 <a:schemeClr val="accent4"/>
               </a:buClr>
@@ -38566,19 +38833,69 @@
               <a:rPr lang="ru-RU" sz="1600" dirty="0"/>
               <a:t> – потенциал разработанного (не типового) кода к доработке: изменению существующей функциональности или разработке новой.</a:t>
             </a:r>
-          </a:p>
-          <a:p>
-            <a:pPr marL="342900" indent="-342900">
+            <a:endParaRPr lang="ru-RU" sz="2400" dirty="0"/>
+          </a:p>
+          <a:p>
+            <a:pPr indent="-342900">
+              <a:spcBef>
+                <a:spcPts val="1200"/>
+              </a:spcBef>
               <a:buClr>
                 <a:schemeClr val="accent4"/>
               </a:buClr>
               <a:buFont typeface="Wingdings" panose="05000000000000000000" pitchFamily="2" charset="2"/>
               <a:buChar char="q"/>
             </a:pPr>
-            <a:endParaRPr lang="ru-RU" sz="2400" dirty="0"/>
-          </a:p>
-          <a:p>
-            <a:pPr marL="342900" indent="-342900">
+            <a:r>
+              <a:rPr lang="ru-RU" sz="2000" dirty="0"/>
+              <a:t>Ценностью обоих критериев является возможность при внесении изменений в код обеспечить:</a:t>
+            </a:r>
+          </a:p>
+          <a:p>
+            <a:pPr marL="0" lvl="1" indent="-342900">
+              <a:buClr>
+                <a:schemeClr val="accent4"/>
+              </a:buClr>
+              <a:buFont typeface="Courier New" panose="02070309020205020404" pitchFamily="49" charset="0"/>
+              <a:buChar char="o"/>
+            </a:pPr>
+            <a:r>
+              <a:rPr lang="ru-RU" sz="1600" dirty="0"/>
+              <a:t>Минимум трудозатрат на подготовку изменений.</a:t>
+            </a:r>
+          </a:p>
+          <a:p>
+            <a:pPr marL="0" lvl="1" indent="-342900">
+              <a:buClr>
+                <a:schemeClr val="accent4"/>
+              </a:buClr>
+              <a:buFont typeface="Courier New" panose="02070309020205020404" pitchFamily="49" charset="0"/>
+              <a:buChar char="o"/>
+            </a:pPr>
+            <a:r>
+              <a:rPr lang="ru-RU" sz="1600" dirty="0"/>
+              <a:t>Минимум ошибок при тестировании. </a:t>
+            </a:r>
+          </a:p>
+          <a:p>
+            <a:pPr marL="0" lvl="1" indent="-342900">
+              <a:buClr>
+                <a:schemeClr val="accent4"/>
+              </a:buClr>
+              <a:buFont typeface="Courier New" panose="02070309020205020404" pitchFamily="49" charset="0"/>
+              <a:buChar char="o"/>
+            </a:pPr>
+            <a:r>
+              <a:rPr lang="ru-RU" sz="1600" dirty="0"/>
+              <a:t>Минимум ошибок в проде.</a:t>
+            </a:r>
+            <a:endParaRPr lang="ru-RU" dirty="0"/>
+          </a:p>
+          <a:p>
+            <a:pPr indent="-342900">
+              <a:spcBef>
+                <a:spcPts val="1200"/>
+              </a:spcBef>
               <a:buClr>
                 <a:schemeClr val="accent4"/>
               </a:buClr>
@@ -38587,65 +38904,23 @@
             </a:pPr>
             <a:r>
               <a:rPr lang="ru-RU" sz="2000" dirty="0"/>
-              <a:t>Ценностью обоих критериев является возможность при внесении изменений в код обеспечить:</a:t>
-            </a:r>
-          </a:p>
-          <a:p>
-            <a:pPr marL="800100" lvl="1" indent="-342900">
-              <a:buClr>
-                <a:schemeClr val="accent4"/>
-              </a:buClr>
-              <a:buFont typeface="Courier New" panose="02070309020205020404" pitchFamily="49" charset="0"/>
-              <a:buChar char="o"/>
-            </a:pPr>
-            <a:r>
-              <a:rPr lang="ru-RU" sz="1600" dirty="0"/>
-              <a:t>Минимум трудозатрат на </a:t>
-            </a:r>
-            <a:r>
-              <a:rPr lang="ru-RU" sz="1600"/>
-              <a:t>подготовку изменений.</a:t>
-            </a:r>
-            <a:endParaRPr lang="ru-RU" sz="1600" dirty="0"/>
-          </a:p>
-          <a:p>
-            <a:pPr marL="800100" lvl="1" indent="-342900">
-              <a:buClr>
-                <a:schemeClr val="accent4"/>
-              </a:buClr>
-              <a:buFont typeface="Courier New" panose="02070309020205020404" pitchFamily="49" charset="0"/>
-              <a:buChar char="o"/>
-            </a:pPr>
-            <a:r>
-              <a:rPr lang="ru-RU" sz="1600" dirty="0"/>
-              <a:t>Минимум ошибок при тестировании. </a:t>
-            </a:r>
-          </a:p>
-          <a:p>
-            <a:pPr marL="800100" lvl="1" indent="-342900">
-              <a:buClr>
-                <a:schemeClr val="accent4"/>
-              </a:buClr>
-              <a:buFont typeface="Courier New" panose="02070309020205020404" pitchFamily="49" charset="0"/>
-              <a:buChar char="o"/>
-            </a:pPr>
-            <a:r>
-              <a:rPr lang="ru-RU" sz="1600" dirty="0"/>
-              <a:t>Минимум ошибок в проде.</a:t>
-            </a:r>
-          </a:p>
-          <a:p>
-            <a:pPr marL="800100" lvl="1" indent="-342900">
-              <a:buClr>
-                <a:schemeClr val="accent4"/>
-              </a:buClr>
-              <a:buFont typeface="Courier New" panose="02070309020205020404" pitchFamily="49" charset="0"/>
-              <a:buChar char="o"/>
-            </a:pPr>
-            <a:endParaRPr lang="ru-RU" dirty="0"/>
-          </a:p>
-          <a:p>
-            <a:pPr marL="342900" indent="-342900">
+              <a:t>Объем трудозатрат и ошибок при изменениях кода может </a:t>
+            </a:r>
+            <a:r>
+              <a:rPr lang="ru-RU" sz="2000" b="1" dirty="0"/>
+              <a:t>кратно</a:t>
+            </a:r>
+            <a:r>
+              <a:rPr lang="ru-RU" sz="2000" dirty="0"/>
+              <a:t> варьироваться в зависимости от выбранной стратегии доработки конфигурации.</a:t>
+            </a:r>
+            <a:endParaRPr lang="ru-RU" sz="2400" dirty="0"/>
+          </a:p>
+          <a:p>
+            <a:pPr indent="-342900">
+              <a:spcBef>
+                <a:spcPts val="1200"/>
+              </a:spcBef>
               <a:buClr>
                 <a:schemeClr val="accent4"/>
               </a:buClr>
@@ -38654,49 +38929,216 @@
             </a:pPr>
             <a:r>
               <a:rPr lang="ru-RU" sz="2000" dirty="0"/>
-              <a:t>Объем трудозатрат и ошибок при изменениях кода может </a:t>
-            </a:r>
-            <a:r>
-              <a:rPr lang="ru-RU" sz="2000" b="1" dirty="0"/>
-              <a:t>кратно</a:t>
-            </a:r>
-            <a:r>
-              <a:rPr lang="ru-RU" sz="2000" dirty="0"/>
-              <a:t> варьироваться в зависимости от выбранной стратегии доработки конфигурации.</a:t>
-            </a:r>
-          </a:p>
-          <a:p>
-            <a:pPr marL="342900" indent="-342900">
-              <a:buClr>
-                <a:schemeClr val="accent4"/>
-              </a:buClr>
-              <a:buFont typeface="Wingdings" panose="05000000000000000000" pitchFamily="2" charset="2"/>
-              <a:buChar char="q"/>
-            </a:pPr>
-            <a:endParaRPr lang="ru-RU" sz="2400" dirty="0"/>
-          </a:p>
-          <a:p>
-            <a:pPr marL="342900" indent="-342900">
-              <a:buClr>
-                <a:schemeClr val="accent4"/>
-              </a:buClr>
-              <a:buFont typeface="Wingdings" panose="05000000000000000000" pitchFamily="2" charset="2"/>
-              <a:buChar char="q"/>
-            </a:pPr>
-            <a:r>
-              <a:rPr lang="ru-RU" sz="2000" dirty="0"/>
               <a:t>Целью данного сервиса является выявление потенциально проблемных мест в коде, которые негативно влияют на масштабируемость, а также передать накопленные знания и практики доработки конфигурации, оптимальные для потребностей и специфики ведения разработки конкретного клиента.</a:t>
             </a:r>
           </a:p>
-          <a:p>
-            <a:pPr marL="342900" indent="-342900">
-              <a:buClr>
-                <a:schemeClr val="accent4"/>
-              </a:buClr>
+        </p:txBody>
+      </p:sp>
+      <p:sp>
+        <p:nvSpPr>
+          <p:cNvPr id="2" name="Подзаголовок 4">
+            <a:extLst>
+              <a:ext uri="{FF2B5EF4-FFF2-40B4-BE49-F238E27FC236}">
+                <a16:creationId xmlns:a16="http://schemas.microsoft.com/office/drawing/2014/main" id="{3980B3DB-FAF5-7D25-9FED-835C947344B9}"/>
+              </a:ext>
+            </a:extLst>
+          </p:cNvPr>
+          <p:cNvSpPr txBox="1">
+            <a:spLocks/>
+          </p:cNvSpPr>
+          <p:nvPr/>
+        </p:nvSpPr>
+        <p:spPr>
+          <a:xfrm>
+            <a:off x="286290" y="5498092"/>
+            <a:ext cx="11687292" cy="849106"/>
+          </a:xfrm>
+          <a:prstGeom prst="rect">
+            <a:avLst/>
+          </a:prstGeom>
+        </p:spPr>
+        <p:txBody>
+          <a:bodyPr vert="horz" lIns="91440" tIns="45720" rIns="91440" bIns="45720" rtlCol="0">
+            <a:normAutofit fontScale="92500"/>
+          </a:bodyPr>
+          <a:lstStyle>
+            <a:lvl1pPr marL="0" indent="0" algn="l" defTabSz="914400" rtl="0" eaLnBrk="1" latinLnBrk="0" hangingPunct="1">
+              <a:lnSpc>
+                <a:spcPct val="90000"/>
+              </a:lnSpc>
+              <a:spcBef>
+                <a:spcPts val="1000"/>
+              </a:spcBef>
+              <a:buFont typeface="Arial" panose="020B0604020202020204" pitchFamily="34" charset="0"/>
+              <a:buNone/>
+              <a:defRPr sz="2400" b="0" i="1" kern="1200">
+                <a:solidFill>
+                  <a:srgbClr val="707588"/>
+                </a:solidFill>
+                <a:latin typeface="Times New Roman" panose="02020603050405020304" pitchFamily="18" charset="0"/>
+                <a:ea typeface="+mn-ea"/>
+                <a:cs typeface="Times New Roman" panose="02020603050405020304" pitchFamily="18" charset="0"/>
+              </a:defRPr>
+            </a:lvl1pPr>
+            <a:lvl2pPr marL="457200" indent="0" algn="l" defTabSz="914400" rtl="0" eaLnBrk="1" latinLnBrk="0" hangingPunct="1">
+              <a:lnSpc>
+                <a:spcPct val="90000"/>
+              </a:lnSpc>
+              <a:spcBef>
+                <a:spcPts val="500"/>
+              </a:spcBef>
+              <a:buFont typeface="Arial" panose="020B0604020202020204" pitchFamily="34" charset="0"/>
+              <a:buNone/>
+              <a:defRPr sz="2400" kern="1200">
+                <a:solidFill>
+                  <a:srgbClr val="30445C"/>
+                </a:solidFill>
+                <a:latin typeface="Arial" panose="020B0604020202020204" pitchFamily="34" charset="0"/>
+                <a:ea typeface="+mn-ea"/>
+                <a:cs typeface="Arial" panose="020B0604020202020204" pitchFamily="34" charset="0"/>
+              </a:defRPr>
+            </a:lvl2pPr>
+            <a:lvl3pPr marL="914400" indent="0" algn="l" defTabSz="914400" rtl="0" eaLnBrk="1" latinLnBrk="0" hangingPunct="1">
+              <a:lnSpc>
+                <a:spcPct val="90000"/>
+              </a:lnSpc>
+              <a:spcBef>
+                <a:spcPts val="500"/>
+              </a:spcBef>
+              <a:buFont typeface="Arial" panose="020B0604020202020204" pitchFamily="34" charset="0"/>
+              <a:buNone/>
+              <a:defRPr sz="2000" kern="1200">
+                <a:solidFill>
+                  <a:srgbClr val="30445C"/>
+                </a:solidFill>
+                <a:latin typeface="Arial" panose="020B0604020202020204" pitchFamily="34" charset="0"/>
+                <a:ea typeface="+mn-ea"/>
+                <a:cs typeface="Arial" panose="020B0604020202020204" pitchFamily="34" charset="0"/>
+              </a:defRPr>
+            </a:lvl3pPr>
+            <a:lvl4pPr marL="1371600" indent="0" algn="l" defTabSz="914400" rtl="0" eaLnBrk="1" latinLnBrk="0" hangingPunct="1">
+              <a:lnSpc>
+                <a:spcPct val="90000"/>
+              </a:lnSpc>
+              <a:spcBef>
+                <a:spcPts val="500"/>
+              </a:spcBef>
+              <a:buFont typeface="Arial" panose="020B0604020202020204" pitchFamily="34" charset="0"/>
+              <a:buNone/>
+              <a:defRPr sz="1800" kern="1200">
+                <a:solidFill>
+                  <a:srgbClr val="30445C"/>
+                </a:solidFill>
+                <a:latin typeface="Arial" panose="020B0604020202020204" pitchFamily="34" charset="0"/>
+                <a:ea typeface="+mn-ea"/>
+                <a:cs typeface="Arial" panose="020B0604020202020204" pitchFamily="34" charset="0"/>
+              </a:defRPr>
+            </a:lvl4pPr>
+            <a:lvl5pPr marL="1828800" indent="0" algn="l" defTabSz="914400" rtl="0" eaLnBrk="1" latinLnBrk="0" hangingPunct="1">
+              <a:lnSpc>
+                <a:spcPct val="90000"/>
+              </a:lnSpc>
+              <a:spcBef>
+                <a:spcPts val="500"/>
+              </a:spcBef>
+              <a:buFont typeface="Arial" panose="020B0604020202020204" pitchFamily="34" charset="0"/>
+              <a:buNone/>
+              <a:defRPr sz="1800" kern="1200">
+                <a:solidFill>
+                  <a:srgbClr val="30445C"/>
+                </a:solidFill>
+                <a:latin typeface="Arial" panose="020B0604020202020204" pitchFamily="34" charset="0"/>
+                <a:ea typeface="+mn-ea"/>
+                <a:cs typeface="Arial" panose="020B0604020202020204" pitchFamily="34" charset="0"/>
+              </a:defRPr>
+            </a:lvl5pPr>
+            <a:lvl6pPr marL="2514600" indent="-228600" algn="l" defTabSz="914400" rtl="0" eaLnBrk="1" latinLnBrk="0" hangingPunct="1">
+              <a:lnSpc>
+                <a:spcPct val="90000"/>
+              </a:lnSpc>
+              <a:spcBef>
+                <a:spcPts val="500"/>
+              </a:spcBef>
               <a:buFont typeface="Arial" panose="020B0604020202020204" pitchFamily="34" charset="0"/>
               <a:buChar char="•"/>
-            </a:pPr>
-            <a:endParaRPr lang="ru-RU" sz="2400" dirty="0"/>
+              <a:defRPr sz="1800" kern="1200">
+                <a:solidFill>
+                  <a:schemeClr val="tx1"/>
+                </a:solidFill>
+                <a:latin typeface="+mn-lt"/>
+                <a:ea typeface="+mn-ea"/>
+                <a:cs typeface="+mn-cs"/>
+              </a:defRPr>
+            </a:lvl6pPr>
+            <a:lvl7pPr marL="2971800" indent="-228600" algn="l" defTabSz="914400" rtl="0" eaLnBrk="1" latinLnBrk="0" hangingPunct="1">
+              <a:lnSpc>
+                <a:spcPct val="90000"/>
+              </a:lnSpc>
+              <a:spcBef>
+                <a:spcPts val="500"/>
+              </a:spcBef>
+              <a:buFont typeface="Arial" panose="020B0604020202020204" pitchFamily="34" charset="0"/>
+              <a:buChar char="•"/>
+              <a:defRPr sz="1800" kern="1200">
+                <a:solidFill>
+                  <a:schemeClr val="tx1"/>
+                </a:solidFill>
+                <a:latin typeface="+mn-lt"/>
+                <a:ea typeface="+mn-ea"/>
+                <a:cs typeface="+mn-cs"/>
+              </a:defRPr>
+            </a:lvl7pPr>
+            <a:lvl8pPr marL="3429000" indent="-228600" algn="l" defTabSz="914400" rtl="0" eaLnBrk="1" latinLnBrk="0" hangingPunct="1">
+              <a:lnSpc>
+                <a:spcPct val="90000"/>
+              </a:lnSpc>
+              <a:spcBef>
+                <a:spcPts val="500"/>
+              </a:spcBef>
+              <a:buFont typeface="Arial" panose="020B0604020202020204" pitchFamily="34" charset="0"/>
+              <a:buChar char="•"/>
+              <a:defRPr sz="1800" kern="1200">
+                <a:solidFill>
+                  <a:schemeClr val="tx1"/>
+                </a:solidFill>
+                <a:latin typeface="+mn-lt"/>
+                <a:ea typeface="+mn-ea"/>
+                <a:cs typeface="+mn-cs"/>
+              </a:defRPr>
+            </a:lvl8pPr>
+            <a:lvl9pPr marL="3886200" indent="-228600" algn="l" defTabSz="914400" rtl="0" eaLnBrk="1" latinLnBrk="0" hangingPunct="1">
+              <a:lnSpc>
+                <a:spcPct val="90000"/>
+              </a:lnSpc>
+              <a:spcBef>
+                <a:spcPts val="500"/>
+              </a:spcBef>
+              <a:buFont typeface="Arial" panose="020B0604020202020204" pitchFamily="34" charset="0"/>
+              <a:buChar char="•"/>
+              <a:defRPr sz="1800" kern="1200">
+                <a:solidFill>
+                  <a:schemeClr val="tx1"/>
+                </a:solidFill>
+                <a:latin typeface="+mn-lt"/>
+                <a:ea typeface="+mn-ea"/>
+                <a:cs typeface="+mn-cs"/>
+              </a:defRPr>
+            </a:lvl9pPr>
+          </a:lstStyle>
+          <a:p>
+            <a:r>
+              <a:rPr lang="ru-RU" dirty="0">
+                <a:solidFill>
+                  <a:srgbClr val="F7C024"/>
+                </a:solidFill>
+              </a:rPr>
+              <a:t>Наша цель – исходя из потребностей клиента и опыта внедрений, выработать оптимальный подход к ведению доработок для обеспечения лучшей масштабируемости кода клиента.</a:t>
+            </a:r>
+            <a:endParaRPr lang="en-US" dirty="0">
+              <a:solidFill>
+                <a:srgbClr val="F7C024"/>
+              </a:solidFill>
+            </a:endParaRPr>
           </a:p>
         </p:txBody>
       </p:sp>
@@ -38730,12 +39172,509 @@
           <a:chExt cx="0" cy="0"/>
         </a:xfrm>
       </p:grpSpPr>
+      <p:sp>
+        <p:nvSpPr>
+          <p:cNvPr id="3" name="Заголовок 2">
+            <a:extLst>
+              <a:ext uri="{FF2B5EF4-FFF2-40B4-BE49-F238E27FC236}">
+                <a16:creationId xmlns:a16="http://schemas.microsoft.com/office/drawing/2014/main" id="{7E2DF4F3-3D01-8234-158A-3847E47370F6}"/>
+              </a:ext>
+            </a:extLst>
+          </p:cNvPr>
+          <p:cNvSpPr>
+            <a:spLocks noGrp="1"/>
+          </p:cNvSpPr>
+          <p:nvPr>
+            <p:ph type="title"/>
+          </p:nvPr>
+        </p:nvSpPr>
+        <p:spPr>
+          <a:xfrm>
+            <a:off x="1071093" y="1380474"/>
+            <a:ext cx="7267876" cy="1325563"/>
+          </a:xfrm>
+        </p:spPr>
+        <p:txBody>
+          <a:bodyPr>
+            <a:normAutofit/>
+          </a:bodyPr>
+          <a:lstStyle/>
+          <a:p>
+            <a:pPr>
+              <a:lnSpc>
+                <a:spcPts val="5000"/>
+              </a:lnSpc>
+            </a:pPr>
+            <a:r>
+              <a:rPr lang="ru-RU" sz="4800" dirty="0">
+                <a:solidFill>
+                  <a:srgbClr val="707588"/>
+                </a:solidFill>
+                <a:latin typeface="+mj-lt"/>
+              </a:rPr>
+              <a:t>Где вести доработки?</a:t>
+            </a:r>
+            <a:endParaRPr lang="ru-RU" dirty="0"/>
+          </a:p>
+        </p:txBody>
+      </p:sp>
+      <p:sp>
+        <p:nvSpPr>
+          <p:cNvPr id="5" name="Подзаголовок 4">
+            <a:extLst>
+              <a:ext uri="{FF2B5EF4-FFF2-40B4-BE49-F238E27FC236}">
+                <a16:creationId xmlns:a16="http://schemas.microsoft.com/office/drawing/2014/main" id="{058E8B2F-A366-087E-E67B-DC5B44EEC6C8}"/>
+              </a:ext>
+            </a:extLst>
+          </p:cNvPr>
+          <p:cNvSpPr>
+            <a:spLocks noGrp="1"/>
+          </p:cNvSpPr>
+          <p:nvPr>
+            <p:ph type="subTitle" idx="1"/>
+          </p:nvPr>
+        </p:nvSpPr>
+        <p:spPr>
+          <a:xfrm>
+            <a:off x="5247163" y="3385905"/>
+            <a:ext cx="3478510" cy="552328"/>
+          </a:xfrm>
+        </p:spPr>
+        <p:txBody>
+          <a:bodyPr numCol="1">
+            <a:normAutofit/>
+          </a:bodyPr>
+          <a:lstStyle/>
+          <a:p>
+            <a:r>
+              <a:rPr lang="ru-RU" dirty="0">
+                <a:solidFill>
+                  <a:srgbClr val="30445C"/>
+                </a:solidFill>
+              </a:rPr>
+              <a:t>В расширении</a:t>
+            </a:r>
+          </a:p>
+        </p:txBody>
+      </p:sp>
+      <p:sp>
+        <p:nvSpPr>
+          <p:cNvPr id="2" name="Подзаголовок 4">
+            <a:extLst>
+              <a:ext uri="{FF2B5EF4-FFF2-40B4-BE49-F238E27FC236}">
+                <a16:creationId xmlns:a16="http://schemas.microsoft.com/office/drawing/2014/main" id="{7F8516AB-272E-C722-0529-1D7B9DBEB70F}"/>
+              </a:ext>
+            </a:extLst>
+          </p:cNvPr>
+          <p:cNvSpPr txBox="1">
+            <a:spLocks/>
+          </p:cNvSpPr>
+          <p:nvPr/>
+        </p:nvSpPr>
+        <p:spPr>
+          <a:xfrm>
+            <a:off x="4035207" y="3405141"/>
+            <a:ext cx="798187" cy="507903"/>
+          </a:xfrm>
+          <a:prstGeom prst="rect">
+            <a:avLst/>
+          </a:prstGeom>
+        </p:spPr>
+        <p:txBody>
+          <a:bodyPr vert="horz" lIns="91440" tIns="45720" rIns="91440" bIns="45720" numCol="1" rtlCol="0">
+            <a:normAutofit lnSpcReduction="10000"/>
+          </a:bodyPr>
+          <a:lstStyle>
+            <a:lvl1pPr marL="0" indent="0" algn="l" defTabSz="914400" rtl="0" eaLnBrk="1" latinLnBrk="0" hangingPunct="1">
+              <a:lnSpc>
+                <a:spcPct val="90000"/>
+              </a:lnSpc>
+              <a:spcBef>
+                <a:spcPts val="1000"/>
+              </a:spcBef>
+              <a:buFont typeface="Arial" panose="020B0604020202020204" pitchFamily="34" charset="0"/>
+              <a:buNone/>
+              <a:defRPr sz="3200" b="0" i="1" kern="1200">
+                <a:solidFill>
+                  <a:srgbClr val="F2F1F1"/>
+                </a:solidFill>
+                <a:latin typeface="Times New Roman" panose="02020603050405020304" pitchFamily="18" charset="0"/>
+                <a:ea typeface="+mn-ea"/>
+                <a:cs typeface="Times New Roman" panose="02020603050405020304" pitchFamily="18" charset="0"/>
+              </a:defRPr>
+            </a:lvl1pPr>
+            <a:lvl2pPr marL="457200" indent="0" algn="l" defTabSz="914400" rtl="0" eaLnBrk="1" latinLnBrk="0" hangingPunct="1">
+              <a:lnSpc>
+                <a:spcPct val="90000"/>
+              </a:lnSpc>
+              <a:spcBef>
+                <a:spcPts val="500"/>
+              </a:spcBef>
+              <a:buFont typeface="Arial" panose="020B0604020202020204" pitchFamily="34" charset="0"/>
+              <a:buNone/>
+              <a:defRPr sz="2400" kern="1200">
+                <a:solidFill>
+                  <a:srgbClr val="F2F1F1"/>
+                </a:solidFill>
+                <a:latin typeface="Arial" panose="020B0604020202020204" pitchFamily="34" charset="0"/>
+                <a:ea typeface="+mn-ea"/>
+                <a:cs typeface="Arial" panose="020B0604020202020204" pitchFamily="34" charset="0"/>
+              </a:defRPr>
+            </a:lvl2pPr>
+            <a:lvl3pPr marL="914400" indent="0" algn="l" defTabSz="914400" rtl="0" eaLnBrk="1" latinLnBrk="0" hangingPunct="1">
+              <a:lnSpc>
+                <a:spcPct val="90000"/>
+              </a:lnSpc>
+              <a:spcBef>
+                <a:spcPts val="500"/>
+              </a:spcBef>
+              <a:buFont typeface="Arial" panose="020B0604020202020204" pitchFamily="34" charset="0"/>
+              <a:buNone/>
+              <a:defRPr sz="2000" kern="1200">
+                <a:solidFill>
+                  <a:srgbClr val="F2F1F1"/>
+                </a:solidFill>
+                <a:latin typeface="Arial" panose="020B0604020202020204" pitchFamily="34" charset="0"/>
+                <a:ea typeface="+mn-ea"/>
+                <a:cs typeface="Arial" panose="020B0604020202020204" pitchFamily="34" charset="0"/>
+              </a:defRPr>
+            </a:lvl3pPr>
+            <a:lvl4pPr marL="1371600" indent="0" algn="l" defTabSz="914400" rtl="0" eaLnBrk="1" latinLnBrk="0" hangingPunct="1">
+              <a:lnSpc>
+                <a:spcPct val="90000"/>
+              </a:lnSpc>
+              <a:spcBef>
+                <a:spcPts val="500"/>
+              </a:spcBef>
+              <a:buFont typeface="Arial" panose="020B0604020202020204" pitchFamily="34" charset="0"/>
+              <a:buNone/>
+              <a:defRPr sz="1800" kern="1200">
+                <a:solidFill>
+                  <a:srgbClr val="F2F1F1"/>
+                </a:solidFill>
+                <a:latin typeface="Arial" panose="020B0604020202020204" pitchFamily="34" charset="0"/>
+                <a:ea typeface="+mn-ea"/>
+                <a:cs typeface="Arial" panose="020B0604020202020204" pitchFamily="34" charset="0"/>
+              </a:defRPr>
+            </a:lvl4pPr>
+            <a:lvl5pPr marL="1828800" indent="0" algn="l" defTabSz="914400" rtl="0" eaLnBrk="1" latinLnBrk="0" hangingPunct="1">
+              <a:lnSpc>
+                <a:spcPct val="90000"/>
+              </a:lnSpc>
+              <a:spcBef>
+                <a:spcPts val="500"/>
+              </a:spcBef>
+              <a:buFont typeface="Arial" panose="020B0604020202020204" pitchFamily="34" charset="0"/>
+              <a:buNone/>
+              <a:defRPr sz="1800" kern="1200">
+                <a:solidFill>
+                  <a:srgbClr val="F2F1F1"/>
+                </a:solidFill>
+                <a:latin typeface="Arial" panose="020B0604020202020204" pitchFamily="34" charset="0"/>
+                <a:ea typeface="+mn-ea"/>
+                <a:cs typeface="Arial" panose="020B0604020202020204" pitchFamily="34" charset="0"/>
+              </a:defRPr>
+            </a:lvl5pPr>
+            <a:lvl6pPr marL="2514600" indent="-228600" algn="l" defTabSz="914400" rtl="0" eaLnBrk="1" latinLnBrk="0" hangingPunct="1">
+              <a:lnSpc>
+                <a:spcPct val="90000"/>
+              </a:lnSpc>
+              <a:spcBef>
+                <a:spcPts val="500"/>
+              </a:spcBef>
+              <a:buFont typeface="Arial" panose="020B0604020202020204" pitchFamily="34" charset="0"/>
+              <a:buChar char="•"/>
+              <a:defRPr sz="1800" kern="1200">
+                <a:solidFill>
+                  <a:schemeClr val="tx1"/>
+                </a:solidFill>
+                <a:latin typeface="+mn-lt"/>
+                <a:ea typeface="+mn-ea"/>
+                <a:cs typeface="+mn-cs"/>
+              </a:defRPr>
+            </a:lvl6pPr>
+            <a:lvl7pPr marL="2971800" indent="-228600" algn="l" defTabSz="914400" rtl="0" eaLnBrk="1" latinLnBrk="0" hangingPunct="1">
+              <a:lnSpc>
+                <a:spcPct val="90000"/>
+              </a:lnSpc>
+              <a:spcBef>
+                <a:spcPts val="500"/>
+              </a:spcBef>
+              <a:buFont typeface="Arial" panose="020B0604020202020204" pitchFamily="34" charset="0"/>
+              <a:buChar char="•"/>
+              <a:defRPr sz="1800" kern="1200">
+                <a:solidFill>
+                  <a:schemeClr val="tx1"/>
+                </a:solidFill>
+                <a:latin typeface="+mn-lt"/>
+                <a:ea typeface="+mn-ea"/>
+                <a:cs typeface="+mn-cs"/>
+              </a:defRPr>
+            </a:lvl7pPr>
+            <a:lvl8pPr marL="3429000" indent="-228600" algn="l" defTabSz="914400" rtl="0" eaLnBrk="1" latinLnBrk="0" hangingPunct="1">
+              <a:lnSpc>
+                <a:spcPct val="90000"/>
+              </a:lnSpc>
+              <a:spcBef>
+                <a:spcPts val="500"/>
+              </a:spcBef>
+              <a:buFont typeface="Arial" panose="020B0604020202020204" pitchFamily="34" charset="0"/>
+              <a:buChar char="•"/>
+              <a:defRPr sz="1800" kern="1200">
+                <a:solidFill>
+                  <a:schemeClr val="tx1"/>
+                </a:solidFill>
+                <a:latin typeface="+mn-lt"/>
+                <a:ea typeface="+mn-ea"/>
+                <a:cs typeface="+mn-cs"/>
+              </a:defRPr>
+            </a:lvl8pPr>
+            <a:lvl9pPr marL="3886200" indent="-228600" algn="l" defTabSz="914400" rtl="0" eaLnBrk="1" latinLnBrk="0" hangingPunct="1">
+              <a:lnSpc>
+                <a:spcPct val="90000"/>
+              </a:lnSpc>
+              <a:spcBef>
+                <a:spcPts val="500"/>
+              </a:spcBef>
+              <a:buFont typeface="Arial" panose="020B0604020202020204" pitchFamily="34" charset="0"/>
+              <a:buChar char="•"/>
+              <a:defRPr sz="1800" kern="1200">
+                <a:solidFill>
+                  <a:schemeClr val="tx1"/>
+                </a:solidFill>
+                <a:latin typeface="+mn-lt"/>
+                <a:ea typeface="+mn-ea"/>
+                <a:cs typeface="+mn-cs"/>
+              </a:defRPr>
+            </a:lvl9pPr>
+          </a:lstStyle>
+          <a:p>
+            <a:pPr algn="ctr"/>
+            <a:r>
+              <a:rPr lang="en-US" dirty="0">
+                <a:solidFill>
+                  <a:srgbClr val="FEC700"/>
+                </a:solidFill>
+              </a:rPr>
+              <a:t>VS</a:t>
+            </a:r>
+          </a:p>
+        </p:txBody>
+      </p:sp>
+      <p:sp>
+        <p:nvSpPr>
+          <p:cNvPr id="4" name="Подзаголовок 4">
+            <a:extLst>
+              <a:ext uri="{FF2B5EF4-FFF2-40B4-BE49-F238E27FC236}">
+                <a16:creationId xmlns:a16="http://schemas.microsoft.com/office/drawing/2014/main" id="{3C5C43F0-5F7E-4E47-7B9D-07171F6E5BB3}"/>
+              </a:ext>
+            </a:extLst>
+          </p:cNvPr>
+          <p:cNvSpPr txBox="1">
+            <a:spLocks/>
+          </p:cNvSpPr>
+          <p:nvPr/>
+        </p:nvSpPr>
+        <p:spPr>
+          <a:xfrm>
+            <a:off x="1071093" y="3138595"/>
+            <a:ext cx="2775927" cy="1123812"/>
+          </a:xfrm>
+          <a:prstGeom prst="rect">
+            <a:avLst/>
+          </a:prstGeom>
+        </p:spPr>
+        <p:txBody>
+          <a:bodyPr vert="horz" lIns="91440" tIns="45720" rIns="91440" bIns="45720" numCol="1" rtlCol="0">
+            <a:normAutofit/>
+          </a:bodyPr>
+          <a:lstStyle>
+            <a:lvl1pPr marL="0" indent="0" algn="l" defTabSz="914400" rtl="0" eaLnBrk="1" latinLnBrk="0" hangingPunct="1">
+              <a:lnSpc>
+                <a:spcPct val="90000"/>
+              </a:lnSpc>
+              <a:spcBef>
+                <a:spcPts val="1000"/>
+              </a:spcBef>
+              <a:buFont typeface="Arial" panose="020B0604020202020204" pitchFamily="34" charset="0"/>
+              <a:buNone/>
+              <a:defRPr sz="3200" b="0" i="1" kern="1200">
+                <a:solidFill>
+                  <a:srgbClr val="F2F1F1"/>
+                </a:solidFill>
+                <a:latin typeface="Times New Roman" panose="02020603050405020304" pitchFamily="18" charset="0"/>
+                <a:ea typeface="+mn-ea"/>
+                <a:cs typeface="Times New Roman" panose="02020603050405020304" pitchFamily="18" charset="0"/>
+              </a:defRPr>
+            </a:lvl1pPr>
+            <a:lvl2pPr marL="457200" indent="0" algn="l" defTabSz="914400" rtl="0" eaLnBrk="1" latinLnBrk="0" hangingPunct="1">
+              <a:lnSpc>
+                <a:spcPct val="90000"/>
+              </a:lnSpc>
+              <a:spcBef>
+                <a:spcPts val="500"/>
+              </a:spcBef>
+              <a:buFont typeface="Arial" panose="020B0604020202020204" pitchFamily="34" charset="0"/>
+              <a:buNone/>
+              <a:defRPr sz="2400" kern="1200">
+                <a:solidFill>
+                  <a:srgbClr val="F2F1F1"/>
+                </a:solidFill>
+                <a:latin typeface="Arial" panose="020B0604020202020204" pitchFamily="34" charset="0"/>
+                <a:ea typeface="+mn-ea"/>
+                <a:cs typeface="Arial" panose="020B0604020202020204" pitchFamily="34" charset="0"/>
+              </a:defRPr>
+            </a:lvl2pPr>
+            <a:lvl3pPr marL="914400" indent="0" algn="l" defTabSz="914400" rtl="0" eaLnBrk="1" latinLnBrk="0" hangingPunct="1">
+              <a:lnSpc>
+                <a:spcPct val="90000"/>
+              </a:lnSpc>
+              <a:spcBef>
+                <a:spcPts val="500"/>
+              </a:spcBef>
+              <a:buFont typeface="Arial" panose="020B0604020202020204" pitchFamily="34" charset="0"/>
+              <a:buNone/>
+              <a:defRPr sz="2000" kern="1200">
+                <a:solidFill>
+                  <a:srgbClr val="F2F1F1"/>
+                </a:solidFill>
+                <a:latin typeface="Arial" panose="020B0604020202020204" pitchFamily="34" charset="0"/>
+                <a:ea typeface="+mn-ea"/>
+                <a:cs typeface="Arial" panose="020B0604020202020204" pitchFamily="34" charset="0"/>
+              </a:defRPr>
+            </a:lvl3pPr>
+            <a:lvl4pPr marL="1371600" indent="0" algn="l" defTabSz="914400" rtl="0" eaLnBrk="1" latinLnBrk="0" hangingPunct="1">
+              <a:lnSpc>
+                <a:spcPct val="90000"/>
+              </a:lnSpc>
+              <a:spcBef>
+                <a:spcPts val="500"/>
+              </a:spcBef>
+              <a:buFont typeface="Arial" panose="020B0604020202020204" pitchFamily="34" charset="0"/>
+              <a:buNone/>
+              <a:defRPr sz="1800" kern="1200">
+                <a:solidFill>
+                  <a:srgbClr val="F2F1F1"/>
+                </a:solidFill>
+                <a:latin typeface="Arial" panose="020B0604020202020204" pitchFamily="34" charset="0"/>
+                <a:ea typeface="+mn-ea"/>
+                <a:cs typeface="Arial" panose="020B0604020202020204" pitchFamily="34" charset="0"/>
+              </a:defRPr>
+            </a:lvl4pPr>
+            <a:lvl5pPr marL="1828800" indent="0" algn="l" defTabSz="914400" rtl="0" eaLnBrk="1" latinLnBrk="0" hangingPunct="1">
+              <a:lnSpc>
+                <a:spcPct val="90000"/>
+              </a:lnSpc>
+              <a:spcBef>
+                <a:spcPts val="500"/>
+              </a:spcBef>
+              <a:buFont typeface="Arial" panose="020B0604020202020204" pitchFamily="34" charset="0"/>
+              <a:buNone/>
+              <a:defRPr sz="1800" kern="1200">
+                <a:solidFill>
+                  <a:srgbClr val="F2F1F1"/>
+                </a:solidFill>
+                <a:latin typeface="Arial" panose="020B0604020202020204" pitchFamily="34" charset="0"/>
+                <a:ea typeface="+mn-ea"/>
+                <a:cs typeface="Arial" panose="020B0604020202020204" pitchFamily="34" charset="0"/>
+              </a:defRPr>
+            </a:lvl5pPr>
+            <a:lvl6pPr marL="2514600" indent="-228600" algn="l" defTabSz="914400" rtl="0" eaLnBrk="1" latinLnBrk="0" hangingPunct="1">
+              <a:lnSpc>
+                <a:spcPct val="90000"/>
+              </a:lnSpc>
+              <a:spcBef>
+                <a:spcPts val="500"/>
+              </a:spcBef>
+              <a:buFont typeface="Arial" panose="020B0604020202020204" pitchFamily="34" charset="0"/>
+              <a:buChar char="•"/>
+              <a:defRPr sz="1800" kern="1200">
+                <a:solidFill>
+                  <a:schemeClr val="tx1"/>
+                </a:solidFill>
+                <a:latin typeface="+mn-lt"/>
+                <a:ea typeface="+mn-ea"/>
+                <a:cs typeface="+mn-cs"/>
+              </a:defRPr>
+            </a:lvl6pPr>
+            <a:lvl7pPr marL="2971800" indent="-228600" algn="l" defTabSz="914400" rtl="0" eaLnBrk="1" latinLnBrk="0" hangingPunct="1">
+              <a:lnSpc>
+                <a:spcPct val="90000"/>
+              </a:lnSpc>
+              <a:spcBef>
+                <a:spcPts val="500"/>
+              </a:spcBef>
+              <a:buFont typeface="Arial" panose="020B0604020202020204" pitchFamily="34" charset="0"/>
+              <a:buChar char="•"/>
+              <a:defRPr sz="1800" kern="1200">
+                <a:solidFill>
+                  <a:schemeClr val="tx1"/>
+                </a:solidFill>
+                <a:latin typeface="+mn-lt"/>
+                <a:ea typeface="+mn-ea"/>
+                <a:cs typeface="+mn-cs"/>
+              </a:defRPr>
+            </a:lvl7pPr>
+            <a:lvl8pPr marL="3429000" indent="-228600" algn="l" defTabSz="914400" rtl="0" eaLnBrk="1" latinLnBrk="0" hangingPunct="1">
+              <a:lnSpc>
+                <a:spcPct val="90000"/>
+              </a:lnSpc>
+              <a:spcBef>
+                <a:spcPts val="500"/>
+              </a:spcBef>
+              <a:buFont typeface="Arial" panose="020B0604020202020204" pitchFamily="34" charset="0"/>
+              <a:buChar char="•"/>
+              <a:defRPr sz="1800" kern="1200">
+                <a:solidFill>
+                  <a:schemeClr val="tx1"/>
+                </a:solidFill>
+                <a:latin typeface="+mn-lt"/>
+                <a:ea typeface="+mn-ea"/>
+                <a:cs typeface="+mn-cs"/>
+              </a:defRPr>
+            </a:lvl8pPr>
+            <a:lvl9pPr marL="3886200" indent="-228600" algn="l" defTabSz="914400" rtl="0" eaLnBrk="1" latinLnBrk="0" hangingPunct="1">
+              <a:lnSpc>
+                <a:spcPct val="90000"/>
+              </a:lnSpc>
+              <a:spcBef>
+                <a:spcPts val="500"/>
+              </a:spcBef>
+              <a:buFont typeface="Arial" panose="020B0604020202020204" pitchFamily="34" charset="0"/>
+              <a:buChar char="•"/>
+              <a:defRPr sz="1800" kern="1200">
+                <a:solidFill>
+                  <a:schemeClr val="tx1"/>
+                </a:solidFill>
+                <a:latin typeface="+mn-lt"/>
+                <a:ea typeface="+mn-ea"/>
+                <a:cs typeface="+mn-cs"/>
+              </a:defRPr>
+            </a:lvl9pPr>
+          </a:lstStyle>
+          <a:p>
+            <a:r>
+              <a:rPr lang="ru-RU" dirty="0">
+                <a:solidFill>
+                  <a:srgbClr val="30445C"/>
+                </a:solidFill>
+              </a:rPr>
+              <a:t>В основной конфигурации</a:t>
+            </a:r>
+            <a:endParaRPr lang="en-US" dirty="0">
+              <a:solidFill>
+                <a:srgbClr val="30445C"/>
+              </a:solidFill>
+            </a:endParaRPr>
+          </a:p>
+        </p:txBody>
+      </p:sp>
       <p:pic>
         <p:nvPicPr>
-          <p:cNvPr id="4" name="Рисунок 3" descr="Изображение выглядит как Графика, графический дизайн, текст, Шрифт&#10;&#10;Автоматически созданное описание">
-            <a:extLst>
-              <a:ext uri="{FF2B5EF4-FFF2-40B4-BE49-F238E27FC236}">
-                <a16:creationId xmlns:a16="http://schemas.microsoft.com/office/drawing/2014/main" id="{3E8AA390-AA6B-D367-A342-BB12356ED77D}"/>
+          <p:cNvPr id="9" name="Рисунок 8" descr="Значок &quot;Галочка1&quot; со сплошной заливкой">
+            <a:extLst>
+              <a:ext uri="{FF2B5EF4-FFF2-40B4-BE49-F238E27FC236}">
+                <a16:creationId xmlns:a16="http://schemas.microsoft.com/office/drawing/2014/main" id="{A2DEBE39-CC39-233C-C3C0-8ACFBD066B29}"/>
               </a:ext>
             </a:extLst>
           </p:cNvPr>
@@ -38745,15 +39684,57 @@
           <p:nvPr/>
         </p:nvPicPr>
         <p:blipFill>
-          <a:blip r:embed="rId2"/>
+          <a:blip r:embed="rId2">
+            <a:extLst>
+              <a:ext uri="{96DAC541-7B7A-43D3-8B79-37D633B846F1}">
+                <asvg:svgBlip xmlns:asvg="http://schemas.microsoft.com/office/drawing/2016/SVG/main" r:embed="rId3"/>
+              </a:ext>
+            </a:extLst>
+          </a:blip>
           <a:stretch>
             <a:fillRect/>
           </a:stretch>
         </p:blipFill>
         <p:spPr>
           <a:xfrm>
-            <a:off x="0" y="3185232"/>
-            <a:ext cx="4897024" cy="3672768"/>
+            <a:off x="6238609" y="4204575"/>
+            <a:ext cx="914400" cy="914400"/>
+          </a:xfrm>
+          <a:prstGeom prst="rect">
+            <a:avLst/>
+          </a:prstGeom>
+        </p:spPr>
+      </p:pic>
+      <p:pic>
+        <p:nvPicPr>
+          <p:cNvPr id="11" name="Рисунок 10" descr="Значок &quot;Отменить подписку&quot; со сплошной заливкой">
+            <a:extLst>
+              <a:ext uri="{FF2B5EF4-FFF2-40B4-BE49-F238E27FC236}">
+                <a16:creationId xmlns:a16="http://schemas.microsoft.com/office/drawing/2014/main" id="{9A12AC5B-A407-7393-28DF-E9ED8C78B75E}"/>
+              </a:ext>
+            </a:extLst>
+          </p:cNvPr>
+          <p:cNvPicPr>
+            <a:picLocks noChangeAspect="1"/>
+          </p:cNvPicPr>
+          <p:nvPr/>
+        </p:nvPicPr>
+        <p:blipFill>
+          <a:blip r:embed="rId4">
+            <a:extLst>
+              <a:ext uri="{96DAC541-7B7A-43D3-8B79-37D633B846F1}">
+                <asvg:svgBlip xmlns:asvg="http://schemas.microsoft.com/office/drawing/2016/SVG/main" r:embed="rId5"/>
+              </a:ext>
+            </a:extLst>
+          </a:blip>
+          <a:stretch>
+            <a:fillRect/>
+          </a:stretch>
+        </p:blipFill>
+        <p:spPr>
+          <a:xfrm>
+            <a:off x="1817545" y="4204575"/>
+            <a:ext cx="914400" cy="914400"/>
           </a:xfrm>
           <a:prstGeom prst="rect">
             <a:avLst/>
@@ -38763,7 +39744,7 @@
     </p:spTree>
     <p:extLst>
       <p:ext uri="{BB962C8B-B14F-4D97-AF65-F5344CB8AC3E}">
-        <p14:creationId xmlns:p14="http://schemas.microsoft.com/office/powerpoint/2010/main" val="3165337862"/>
+        <p14:creationId xmlns:p14="http://schemas.microsoft.com/office/powerpoint/2010/main" val="1505411793"/>
       </p:ext>
     </p:extLst>
   </p:cSld>
@@ -38792,6 +39773,1942 @@
       </p:grpSpPr>
       <p:sp>
         <p:nvSpPr>
+          <p:cNvPr id="3" name="Заголовок 2">
+            <a:extLst>
+              <a:ext uri="{FF2B5EF4-FFF2-40B4-BE49-F238E27FC236}">
+                <a16:creationId xmlns:a16="http://schemas.microsoft.com/office/drawing/2014/main" id="{39433B6A-0550-F8B7-21F6-E0B4B53684A9}"/>
+              </a:ext>
+            </a:extLst>
+          </p:cNvPr>
+          <p:cNvSpPr>
+            <a:spLocks noGrp="1"/>
+          </p:cNvSpPr>
+          <p:nvPr>
+            <p:ph type="title"/>
+          </p:nvPr>
+        </p:nvSpPr>
+        <p:spPr>
+          <a:xfrm>
+            <a:off x="329479" y="213823"/>
+            <a:ext cx="10743276" cy="356969"/>
+          </a:xfrm>
+        </p:spPr>
+        <p:txBody>
+          <a:bodyPr>
+            <a:noAutofit/>
+          </a:bodyPr>
+          <a:lstStyle/>
+          <a:p>
+            <a:r>
+              <a:rPr lang="ru-RU" sz="4000" dirty="0">
+                <a:solidFill>
+                  <a:schemeClr val="tx1"/>
+                </a:solidFill>
+                <a:latin typeface="+mn-lt"/>
+                <a:ea typeface="+mn-ea"/>
+                <a:cs typeface="+mn-cs"/>
+              </a:rPr>
+              <a:t>Где обычно ведут доработки?</a:t>
+            </a:r>
+            <a:endParaRPr lang="ru-RU" sz="4000" dirty="0"/>
+          </a:p>
+        </p:txBody>
+      </p:sp>
+      <p:sp>
+        <p:nvSpPr>
+          <p:cNvPr id="5" name="TextBox 4">
+            <a:extLst>
+              <a:ext uri="{FF2B5EF4-FFF2-40B4-BE49-F238E27FC236}">
+                <a16:creationId xmlns:a16="http://schemas.microsoft.com/office/drawing/2014/main" id="{E117C401-AE3C-9FD9-1CAB-E7D28F76FE6A}"/>
+              </a:ext>
+            </a:extLst>
+          </p:cNvPr>
+          <p:cNvSpPr txBox="1"/>
+          <p:nvPr/>
+        </p:nvSpPr>
+        <p:spPr>
+          <a:xfrm>
+            <a:off x="406604" y="1061897"/>
+            <a:ext cx="5766521" cy="5232202"/>
+          </a:xfrm>
+          <a:prstGeom prst="rect">
+            <a:avLst/>
+          </a:prstGeom>
+          <a:noFill/>
+        </p:spPr>
+        <p:txBody>
+          <a:bodyPr wrap="square" rtlCol="0">
+            <a:spAutoFit/>
+          </a:bodyPr>
+          <a:lstStyle/>
+          <a:p>
+            <a:pPr marL="285750" indent="-432000">
+              <a:spcBef>
+                <a:spcPts val="1200"/>
+              </a:spcBef>
+              <a:buClr>
+                <a:schemeClr val="accent4"/>
+              </a:buClr>
+              <a:buFont typeface="Courier New" panose="02070309020205020404" pitchFamily="49" charset="0"/>
+              <a:buChar char="o"/>
+            </a:pPr>
+            <a:r>
+              <a:rPr lang="ru-RU" sz="1600" dirty="0"/>
+              <a:t>От 1С нет явных рекомендаций как лучше вести разработку. Да, имеются «расширения». Но не все доработки можно с помощью них осуществлять.</a:t>
+            </a:r>
+          </a:p>
+          <a:p>
+            <a:pPr marL="285750" indent="-432000">
+              <a:spcBef>
+                <a:spcPts val="1200"/>
+              </a:spcBef>
+              <a:buClr>
+                <a:schemeClr val="accent4"/>
+              </a:buClr>
+              <a:buFont typeface="Courier New" panose="02070309020205020404" pitchFamily="49" charset="0"/>
+              <a:buChar char="o"/>
+            </a:pPr>
+            <a:r>
+              <a:rPr lang="ru-RU" sz="1600" dirty="0"/>
+              <a:t>Далеко не все разработчики смогут сходу рассказать какие изменения типовой конфигурации на текущем релизе платформы нельзя доработать в расширении.</a:t>
+            </a:r>
+          </a:p>
+          <a:p>
+            <a:pPr marL="285750" indent="-432000">
+              <a:spcBef>
+                <a:spcPts val="1200"/>
+              </a:spcBef>
+              <a:buClr>
+                <a:schemeClr val="accent4"/>
+              </a:buClr>
+              <a:buFont typeface="Courier New" panose="02070309020205020404" pitchFamily="49" charset="0"/>
+              <a:buChar char="o"/>
+            </a:pPr>
+            <a:r>
+              <a:rPr lang="ru-RU" sz="1600" dirty="0"/>
+              <a:t>Еще меньше скажут, что релиз платформы не так важен – для определения возможности использования расширения </a:t>
+            </a:r>
+            <a:r>
+              <a:rPr lang="ru-RU" sz="1600" b="1" dirty="0"/>
+              <a:t>важен режим совместимости</a:t>
+            </a:r>
+            <a:r>
+              <a:rPr lang="ru-RU" sz="1600" dirty="0"/>
+              <a:t>, который в расширении должен быть выставлен такой же, как и в основной конфигурации. А в актуальном на ноябрь 2023 г. релизе </a:t>
+            </a:r>
+            <a:r>
+              <a:rPr lang="en-US" sz="1600" dirty="0"/>
+              <a:t>ERP </a:t>
+            </a:r>
+            <a:r>
+              <a:rPr lang="ru-RU" sz="1600" dirty="0"/>
+              <a:t>установлен </a:t>
+            </a:r>
+            <a:r>
+              <a:rPr lang="ru-RU" sz="1600" b="1" dirty="0"/>
+              <a:t>8.3.17</a:t>
+            </a:r>
+            <a:r>
+              <a:rPr lang="ru-RU" sz="1600" dirty="0"/>
+              <a:t>.</a:t>
+            </a:r>
+          </a:p>
+          <a:p>
+            <a:pPr marL="285750" indent="-432000">
+              <a:spcBef>
+                <a:spcPts val="1200"/>
+              </a:spcBef>
+              <a:buClr>
+                <a:schemeClr val="accent4"/>
+              </a:buClr>
+              <a:buFont typeface="Courier New" panose="02070309020205020404" pitchFamily="49" charset="0"/>
+              <a:buChar char="o"/>
+            </a:pPr>
+            <a:r>
+              <a:rPr lang="ru-RU" sz="1600" dirty="0"/>
+              <a:t>Не все команды описывают внутренние правила ведения доработок на старте проекта, либо делают это номинально, без деталей. В результате каждый разработчик, исходя из своей осведомленности о механизме расширений, привычек ведения разработки и желания «заморачиваться», дорабатывает так как считает удобным.</a:t>
+            </a:r>
+          </a:p>
+        </p:txBody>
+      </p:sp>
+      <p:sp>
+        <p:nvSpPr>
+          <p:cNvPr id="4" name="TextBox 3">
+            <a:extLst>
+              <a:ext uri="{FF2B5EF4-FFF2-40B4-BE49-F238E27FC236}">
+                <a16:creationId xmlns:a16="http://schemas.microsoft.com/office/drawing/2014/main" id="{8BAB8969-7C28-161C-DA1B-877FDC82DBF6}"/>
+              </a:ext>
+            </a:extLst>
+          </p:cNvPr>
+          <p:cNvSpPr txBox="1"/>
+          <p:nvPr/>
+        </p:nvSpPr>
+        <p:spPr>
+          <a:xfrm>
+            <a:off x="6173125" y="1061897"/>
+            <a:ext cx="5766521" cy="5016758"/>
+          </a:xfrm>
+          <a:prstGeom prst="rect">
+            <a:avLst/>
+          </a:prstGeom>
+          <a:noFill/>
+        </p:spPr>
+        <p:txBody>
+          <a:bodyPr wrap="square" rtlCol="0">
+            <a:spAutoFit/>
+          </a:bodyPr>
+          <a:lstStyle/>
+          <a:p>
+            <a:pPr marL="285750" indent="-432000">
+              <a:spcBef>
+                <a:spcPts val="1200"/>
+              </a:spcBef>
+              <a:buClr>
+                <a:schemeClr val="accent4"/>
+              </a:buClr>
+              <a:buFont typeface="Courier New" panose="02070309020205020404" pitchFamily="49" charset="0"/>
+              <a:buChar char="o"/>
+            </a:pPr>
+            <a:r>
+              <a:rPr lang="ru-RU" sz="1600" dirty="0"/>
+              <a:t>В результате на практике подходы по доработке могут использоваться различные:</a:t>
+            </a:r>
+          </a:p>
+          <a:p>
+            <a:pPr marL="742950" lvl="1" indent="-432000">
+              <a:buClr>
+                <a:schemeClr val="accent4"/>
+              </a:buClr>
+              <a:buFont typeface="Arial" panose="020B0604020202020204" pitchFamily="34" charset="0"/>
+              <a:buChar char="•"/>
+            </a:pPr>
+            <a:r>
+              <a:rPr lang="ru-RU" sz="1400" dirty="0"/>
+              <a:t>Снять с поддержки всю основную конфигурацию рекурсивно, изменения производить непосредственно в ней же, при этом:</a:t>
+            </a:r>
+            <a:endParaRPr lang="en-US" sz="1400" dirty="0"/>
+          </a:p>
+          <a:p>
+            <a:pPr marL="1200150" lvl="2" indent="-432000">
+              <a:buClr>
+                <a:schemeClr val="accent4"/>
+              </a:buClr>
+              <a:buFont typeface="Arial" panose="020B0604020202020204" pitchFamily="34" charset="0"/>
+              <a:buChar char="•"/>
+            </a:pPr>
+            <a:r>
+              <a:rPr lang="ru-RU" sz="1400" dirty="0"/>
+              <a:t>Или стараться не трогать типовые модули и использовать переопределяемые, дорабатывать типовые формы только программно, создавать различные «прокладки» между своим и типовым функционалом.</a:t>
+            </a:r>
+          </a:p>
+          <a:p>
+            <a:pPr marL="1200150" lvl="2" indent="-432000">
+              <a:buClr>
+                <a:schemeClr val="accent4"/>
+              </a:buClr>
+              <a:buFont typeface="Arial" panose="020B0604020202020204" pitchFamily="34" charset="0"/>
+              <a:buChar char="•"/>
+            </a:pPr>
+            <a:r>
+              <a:rPr lang="ru-RU" sz="1400" dirty="0"/>
+              <a:t>Или все изменения производить прямо в типовых объектах, что на начальных этапах кажется намного проще и быстрее.</a:t>
+            </a:r>
+          </a:p>
+          <a:p>
+            <a:pPr marL="742950" lvl="1" indent="-432000">
+              <a:buClr>
+                <a:schemeClr val="accent4"/>
+              </a:buClr>
+              <a:buFont typeface="Arial" panose="020B0604020202020204" pitchFamily="34" charset="0"/>
+              <a:buChar char="•"/>
+            </a:pPr>
+            <a:r>
+              <a:rPr lang="ru-RU" sz="1400" dirty="0"/>
+              <a:t>Каждую новую функциональность определять в отдельное расширение.</a:t>
+            </a:r>
+          </a:p>
+          <a:p>
+            <a:pPr marL="285750" indent="-432000">
+              <a:spcBef>
+                <a:spcPts val="1200"/>
+              </a:spcBef>
+              <a:buClr>
+                <a:schemeClr val="accent4"/>
+              </a:buClr>
+              <a:buFont typeface="Courier New" panose="02070309020205020404" pitchFamily="49" charset="0"/>
+              <a:buChar char="o"/>
+            </a:pPr>
+            <a:r>
+              <a:rPr lang="ru-RU" sz="1600" dirty="0"/>
+              <a:t>Вариантов множество. Но все они в конечном итоге имеют свои плюсы и минусы в вопросе масштабируемости. </a:t>
+            </a:r>
+            <a:r>
+              <a:rPr lang="ru-RU" sz="1600" b="1" dirty="0"/>
+              <a:t>В зависимости от выбранного подхода трудозатраты и ошибки</a:t>
+            </a:r>
+            <a:r>
+              <a:rPr lang="ru-RU" sz="1600" dirty="0"/>
+              <a:t> при обновлении конфигурации или разработке новой функциональности </a:t>
+            </a:r>
+            <a:r>
+              <a:rPr lang="ru-RU" sz="1600" b="1" dirty="0"/>
+              <a:t>могут варьироваться кратно</a:t>
+            </a:r>
+            <a:r>
+              <a:rPr lang="ru-RU" sz="1600" dirty="0"/>
+              <a:t>.</a:t>
+            </a:r>
+          </a:p>
+        </p:txBody>
+      </p:sp>
+      <p:sp>
+        <p:nvSpPr>
+          <p:cNvPr id="6" name="Заголовок 2">
+            <a:extLst>
+              <a:ext uri="{FF2B5EF4-FFF2-40B4-BE49-F238E27FC236}">
+                <a16:creationId xmlns:a16="http://schemas.microsoft.com/office/drawing/2014/main" id="{E94FFFE1-6996-D7F2-A38C-E6DD189132A3}"/>
+              </a:ext>
+            </a:extLst>
+          </p:cNvPr>
+          <p:cNvSpPr txBox="1">
+            <a:spLocks/>
+          </p:cNvSpPr>
+          <p:nvPr/>
+        </p:nvSpPr>
+        <p:spPr>
+          <a:xfrm>
+            <a:off x="6667345" y="220950"/>
+            <a:ext cx="5349426" cy="356969"/>
+          </a:xfrm>
+          <a:prstGeom prst="rect">
+            <a:avLst/>
+          </a:prstGeom>
+        </p:spPr>
+        <p:txBody>
+          <a:bodyPr vert="horz" lIns="91440" tIns="45720" rIns="91440" bIns="45720" rtlCol="0" anchor="ctr">
+            <a:noAutofit/>
+          </a:bodyPr>
+          <a:lstStyle>
+            <a:lvl1pPr algn="l" defTabSz="914400" rtl="0" eaLnBrk="1" latinLnBrk="0" hangingPunct="1">
+              <a:lnSpc>
+                <a:spcPct val="90000"/>
+              </a:lnSpc>
+              <a:spcBef>
+                <a:spcPct val="0"/>
+              </a:spcBef>
+              <a:buNone/>
+              <a:defRPr sz="2400" kern="1200">
+                <a:solidFill>
+                  <a:srgbClr val="30445C"/>
+                </a:solidFill>
+                <a:latin typeface="Arial" panose="020B0604020202020204" pitchFamily="34" charset="0"/>
+                <a:ea typeface="+mj-ea"/>
+                <a:cs typeface="Arial" panose="020B0604020202020204" pitchFamily="34" charset="0"/>
+              </a:defRPr>
+            </a:lvl1pPr>
+          </a:lstStyle>
+          <a:p>
+            <a:pPr algn="r"/>
+            <a:r>
+              <a:rPr lang="ru-RU" sz="4000" dirty="0">
+                <a:solidFill>
+                  <a:schemeClr val="tx1"/>
+                </a:solidFill>
+                <a:latin typeface="+mn-lt"/>
+                <a:ea typeface="+mn-ea"/>
+                <a:cs typeface="+mn-cs"/>
+              </a:rPr>
+              <a:t>1/3</a:t>
+            </a:r>
+            <a:endParaRPr lang="ru-RU" sz="4000" dirty="0"/>
+          </a:p>
+        </p:txBody>
+      </p:sp>
+      <p:sp>
+        <p:nvSpPr>
+          <p:cNvPr id="7" name="Подзаголовок 4">
+            <a:extLst>
+              <a:ext uri="{FF2B5EF4-FFF2-40B4-BE49-F238E27FC236}">
+                <a16:creationId xmlns:a16="http://schemas.microsoft.com/office/drawing/2014/main" id="{9AE681B0-9EBC-469C-238A-6B91BA9F55F0}"/>
+              </a:ext>
+            </a:extLst>
+          </p:cNvPr>
+          <p:cNvSpPr txBox="1">
+            <a:spLocks/>
+          </p:cNvSpPr>
+          <p:nvPr/>
+        </p:nvSpPr>
+        <p:spPr>
+          <a:xfrm>
+            <a:off x="406604" y="657356"/>
+            <a:ext cx="5766521" cy="478581"/>
+          </a:xfrm>
+          <a:prstGeom prst="rect">
+            <a:avLst/>
+          </a:prstGeom>
+        </p:spPr>
+        <p:txBody>
+          <a:bodyPr vert="horz" lIns="91440" tIns="45720" rIns="91440" bIns="45720" rtlCol="0">
+            <a:normAutofit/>
+          </a:bodyPr>
+          <a:lstStyle>
+            <a:lvl1pPr marL="0" indent="0" algn="l" defTabSz="914400" rtl="0" eaLnBrk="1" latinLnBrk="0" hangingPunct="1">
+              <a:lnSpc>
+                <a:spcPct val="90000"/>
+              </a:lnSpc>
+              <a:spcBef>
+                <a:spcPts val="1000"/>
+              </a:spcBef>
+              <a:buFont typeface="Arial" panose="020B0604020202020204" pitchFamily="34" charset="0"/>
+              <a:buNone/>
+              <a:defRPr sz="2400" b="0" i="1" kern="1200">
+                <a:solidFill>
+                  <a:srgbClr val="707588"/>
+                </a:solidFill>
+                <a:latin typeface="Times New Roman" panose="02020603050405020304" pitchFamily="18" charset="0"/>
+                <a:ea typeface="+mn-ea"/>
+                <a:cs typeface="Times New Roman" panose="02020603050405020304" pitchFamily="18" charset="0"/>
+              </a:defRPr>
+            </a:lvl1pPr>
+            <a:lvl2pPr marL="457200" indent="0" algn="l" defTabSz="914400" rtl="0" eaLnBrk="1" latinLnBrk="0" hangingPunct="1">
+              <a:lnSpc>
+                <a:spcPct val="90000"/>
+              </a:lnSpc>
+              <a:spcBef>
+                <a:spcPts val="500"/>
+              </a:spcBef>
+              <a:buFont typeface="Arial" panose="020B0604020202020204" pitchFamily="34" charset="0"/>
+              <a:buNone/>
+              <a:defRPr sz="2400" kern="1200">
+                <a:solidFill>
+                  <a:srgbClr val="30445C"/>
+                </a:solidFill>
+                <a:latin typeface="Arial" panose="020B0604020202020204" pitchFamily="34" charset="0"/>
+                <a:ea typeface="+mn-ea"/>
+                <a:cs typeface="Arial" panose="020B0604020202020204" pitchFamily="34" charset="0"/>
+              </a:defRPr>
+            </a:lvl2pPr>
+            <a:lvl3pPr marL="914400" indent="0" algn="l" defTabSz="914400" rtl="0" eaLnBrk="1" latinLnBrk="0" hangingPunct="1">
+              <a:lnSpc>
+                <a:spcPct val="90000"/>
+              </a:lnSpc>
+              <a:spcBef>
+                <a:spcPts val="500"/>
+              </a:spcBef>
+              <a:buFont typeface="Arial" panose="020B0604020202020204" pitchFamily="34" charset="0"/>
+              <a:buNone/>
+              <a:defRPr sz="2000" kern="1200">
+                <a:solidFill>
+                  <a:srgbClr val="30445C"/>
+                </a:solidFill>
+                <a:latin typeface="Arial" panose="020B0604020202020204" pitchFamily="34" charset="0"/>
+                <a:ea typeface="+mn-ea"/>
+                <a:cs typeface="Arial" panose="020B0604020202020204" pitchFamily="34" charset="0"/>
+              </a:defRPr>
+            </a:lvl3pPr>
+            <a:lvl4pPr marL="1371600" indent="0" algn="l" defTabSz="914400" rtl="0" eaLnBrk="1" latinLnBrk="0" hangingPunct="1">
+              <a:lnSpc>
+                <a:spcPct val="90000"/>
+              </a:lnSpc>
+              <a:spcBef>
+                <a:spcPts val="500"/>
+              </a:spcBef>
+              <a:buFont typeface="Arial" panose="020B0604020202020204" pitchFamily="34" charset="0"/>
+              <a:buNone/>
+              <a:defRPr sz="1800" kern="1200">
+                <a:solidFill>
+                  <a:srgbClr val="30445C"/>
+                </a:solidFill>
+                <a:latin typeface="Arial" panose="020B0604020202020204" pitchFamily="34" charset="0"/>
+                <a:ea typeface="+mn-ea"/>
+                <a:cs typeface="Arial" panose="020B0604020202020204" pitchFamily="34" charset="0"/>
+              </a:defRPr>
+            </a:lvl4pPr>
+            <a:lvl5pPr marL="1828800" indent="0" algn="l" defTabSz="914400" rtl="0" eaLnBrk="1" latinLnBrk="0" hangingPunct="1">
+              <a:lnSpc>
+                <a:spcPct val="90000"/>
+              </a:lnSpc>
+              <a:spcBef>
+                <a:spcPts val="500"/>
+              </a:spcBef>
+              <a:buFont typeface="Arial" panose="020B0604020202020204" pitchFamily="34" charset="0"/>
+              <a:buNone/>
+              <a:defRPr sz="1800" kern="1200">
+                <a:solidFill>
+                  <a:srgbClr val="30445C"/>
+                </a:solidFill>
+                <a:latin typeface="Arial" panose="020B0604020202020204" pitchFamily="34" charset="0"/>
+                <a:ea typeface="+mn-ea"/>
+                <a:cs typeface="Arial" panose="020B0604020202020204" pitchFamily="34" charset="0"/>
+              </a:defRPr>
+            </a:lvl5pPr>
+            <a:lvl6pPr marL="2514600" indent="-228600" algn="l" defTabSz="914400" rtl="0" eaLnBrk="1" latinLnBrk="0" hangingPunct="1">
+              <a:lnSpc>
+                <a:spcPct val="90000"/>
+              </a:lnSpc>
+              <a:spcBef>
+                <a:spcPts val="500"/>
+              </a:spcBef>
+              <a:buFont typeface="Arial" panose="020B0604020202020204" pitchFamily="34" charset="0"/>
+              <a:buChar char="•"/>
+              <a:defRPr sz="1800" kern="1200">
+                <a:solidFill>
+                  <a:schemeClr val="tx1"/>
+                </a:solidFill>
+                <a:latin typeface="+mn-lt"/>
+                <a:ea typeface="+mn-ea"/>
+                <a:cs typeface="+mn-cs"/>
+              </a:defRPr>
+            </a:lvl6pPr>
+            <a:lvl7pPr marL="2971800" indent="-228600" algn="l" defTabSz="914400" rtl="0" eaLnBrk="1" latinLnBrk="0" hangingPunct="1">
+              <a:lnSpc>
+                <a:spcPct val="90000"/>
+              </a:lnSpc>
+              <a:spcBef>
+                <a:spcPts val="500"/>
+              </a:spcBef>
+              <a:buFont typeface="Arial" panose="020B0604020202020204" pitchFamily="34" charset="0"/>
+              <a:buChar char="•"/>
+              <a:defRPr sz="1800" kern="1200">
+                <a:solidFill>
+                  <a:schemeClr val="tx1"/>
+                </a:solidFill>
+                <a:latin typeface="+mn-lt"/>
+                <a:ea typeface="+mn-ea"/>
+                <a:cs typeface="+mn-cs"/>
+              </a:defRPr>
+            </a:lvl7pPr>
+            <a:lvl8pPr marL="3429000" indent="-228600" algn="l" defTabSz="914400" rtl="0" eaLnBrk="1" latinLnBrk="0" hangingPunct="1">
+              <a:lnSpc>
+                <a:spcPct val="90000"/>
+              </a:lnSpc>
+              <a:spcBef>
+                <a:spcPts val="500"/>
+              </a:spcBef>
+              <a:buFont typeface="Arial" panose="020B0604020202020204" pitchFamily="34" charset="0"/>
+              <a:buChar char="•"/>
+              <a:defRPr sz="1800" kern="1200">
+                <a:solidFill>
+                  <a:schemeClr val="tx1"/>
+                </a:solidFill>
+                <a:latin typeface="+mn-lt"/>
+                <a:ea typeface="+mn-ea"/>
+                <a:cs typeface="+mn-cs"/>
+              </a:defRPr>
+            </a:lvl8pPr>
+            <a:lvl9pPr marL="3886200" indent="-228600" algn="l" defTabSz="914400" rtl="0" eaLnBrk="1" latinLnBrk="0" hangingPunct="1">
+              <a:lnSpc>
+                <a:spcPct val="90000"/>
+              </a:lnSpc>
+              <a:spcBef>
+                <a:spcPts val="500"/>
+              </a:spcBef>
+              <a:buFont typeface="Arial" panose="020B0604020202020204" pitchFamily="34" charset="0"/>
+              <a:buChar char="•"/>
+              <a:defRPr sz="1800" kern="1200">
+                <a:solidFill>
+                  <a:schemeClr val="tx1"/>
+                </a:solidFill>
+                <a:latin typeface="+mn-lt"/>
+                <a:ea typeface="+mn-ea"/>
+                <a:cs typeface="+mn-cs"/>
+              </a:defRPr>
+            </a:lvl9pPr>
+          </a:lstStyle>
+          <a:p>
+            <a:r>
+              <a:rPr lang="ru-RU" dirty="0">
+                <a:solidFill>
+                  <a:srgbClr val="F7C024"/>
+                </a:solidFill>
+              </a:rPr>
+              <a:t>Предпосылки</a:t>
+            </a:r>
+            <a:endParaRPr lang="en-US" dirty="0">
+              <a:solidFill>
+                <a:srgbClr val="F7C024"/>
+              </a:solidFill>
+            </a:endParaRPr>
+          </a:p>
+        </p:txBody>
+      </p:sp>
+      <p:sp>
+        <p:nvSpPr>
+          <p:cNvPr id="8" name="Подзаголовок 4">
+            <a:extLst>
+              <a:ext uri="{FF2B5EF4-FFF2-40B4-BE49-F238E27FC236}">
+                <a16:creationId xmlns:a16="http://schemas.microsoft.com/office/drawing/2014/main" id="{E54B5D29-7BC1-5E53-DDD1-ECE72FA6CD00}"/>
+              </a:ext>
+            </a:extLst>
+          </p:cNvPr>
+          <p:cNvSpPr txBox="1">
+            <a:spLocks/>
+          </p:cNvSpPr>
+          <p:nvPr/>
+        </p:nvSpPr>
+        <p:spPr>
+          <a:xfrm>
+            <a:off x="6173124" y="657355"/>
+            <a:ext cx="5766521" cy="478581"/>
+          </a:xfrm>
+          <a:prstGeom prst="rect">
+            <a:avLst/>
+          </a:prstGeom>
+        </p:spPr>
+        <p:txBody>
+          <a:bodyPr vert="horz" lIns="91440" tIns="45720" rIns="91440" bIns="45720" rtlCol="0">
+            <a:normAutofit/>
+          </a:bodyPr>
+          <a:lstStyle>
+            <a:lvl1pPr marL="0" indent="0" algn="l" defTabSz="914400" rtl="0" eaLnBrk="1" latinLnBrk="0" hangingPunct="1">
+              <a:lnSpc>
+                <a:spcPct val="90000"/>
+              </a:lnSpc>
+              <a:spcBef>
+                <a:spcPts val="1000"/>
+              </a:spcBef>
+              <a:buFont typeface="Arial" panose="020B0604020202020204" pitchFamily="34" charset="0"/>
+              <a:buNone/>
+              <a:defRPr sz="2400" b="0" i="1" kern="1200">
+                <a:solidFill>
+                  <a:srgbClr val="707588"/>
+                </a:solidFill>
+                <a:latin typeface="Times New Roman" panose="02020603050405020304" pitchFamily="18" charset="0"/>
+                <a:ea typeface="+mn-ea"/>
+                <a:cs typeface="Times New Roman" panose="02020603050405020304" pitchFamily="18" charset="0"/>
+              </a:defRPr>
+            </a:lvl1pPr>
+            <a:lvl2pPr marL="457200" indent="0" algn="l" defTabSz="914400" rtl="0" eaLnBrk="1" latinLnBrk="0" hangingPunct="1">
+              <a:lnSpc>
+                <a:spcPct val="90000"/>
+              </a:lnSpc>
+              <a:spcBef>
+                <a:spcPts val="500"/>
+              </a:spcBef>
+              <a:buFont typeface="Arial" panose="020B0604020202020204" pitchFamily="34" charset="0"/>
+              <a:buNone/>
+              <a:defRPr sz="2400" kern="1200">
+                <a:solidFill>
+                  <a:srgbClr val="30445C"/>
+                </a:solidFill>
+                <a:latin typeface="Arial" panose="020B0604020202020204" pitchFamily="34" charset="0"/>
+                <a:ea typeface="+mn-ea"/>
+                <a:cs typeface="Arial" panose="020B0604020202020204" pitchFamily="34" charset="0"/>
+              </a:defRPr>
+            </a:lvl2pPr>
+            <a:lvl3pPr marL="914400" indent="0" algn="l" defTabSz="914400" rtl="0" eaLnBrk="1" latinLnBrk="0" hangingPunct="1">
+              <a:lnSpc>
+                <a:spcPct val="90000"/>
+              </a:lnSpc>
+              <a:spcBef>
+                <a:spcPts val="500"/>
+              </a:spcBef>
+              <a:buFont typeface="Arial" panose="020B0604020202020204" pitchFamily="34" charset="0"/>
+              <a:buNone/>
+              <a:defRPr sz="2000" kern="1200">
+                <a:solidFill>
+                  <a:srgbClr val="30445C"/>
+                </a:solidFill>
+                <a:latin typeface="Arial" panose="020B0604020202020204" pitchFamily="34" charset="0"/>
+                <a:ea typeface="+mn-ea"/>
+                <a:cs typeface="Arial" panose="020B0604020202020204" pitchFamily="34" charset="0"/>
+              </a:defRPr>
+            </a:lvl3pPr>
+            <a:lvl4pPr marL="1371600" indent="0" algn="l" defTabSz="914400" rtl="0" eaLnBrk="1" latinLnBrk="0" hangingPunct="1">
+              <a:lnSpc>
+                <a:spcPct val="90000"/>
+              </a:lnSpc>
+              <a:spcBef>
+                <a:spcPts val="500"/>
+              </a:spcBef>
+              <a:buFont typeface="Arial" panose="020B0604020202020204" pitchFamily="34" charset="0"/>
+              <a:buNone/>
+              <a:defRPr sz="1800" kern="1200">
+                <a:solidFill>
+                  <a:srgbClr val="30445C"/>
+                </a:solidFill>
+                <a:latin typeface="Arial" panose="020B0604020202020204" pitchFamily="34" charset="0"/>
+                <a:ea typeface="+mn-ea"/>
+                <a:cs typeface="Arial" panose="020B0604020202020204" pitchFamily="34" charset="0"/>
+              </a:defRPr>
+            </a:lvl4pPr>
+            <a:lvl5pPr marL="1828800" indent="0" algn="l" defTabSz="914400" rtl="0" eaLnBrk="1" latinLnBrk="0" hangingPunct="1">
+              <a:lnSpc>
+                <a:spcPct val="90000"/>
+              </a:lnSpc>
+              <a:spcBef>
+                <a:spcPts val="500"/>
+              </a:spcBef>
+              <a:buFont typeface="Arial" panose="020B0604020202020204" pitchFamily="34" charset="0"/>
+              <a:buNone/>
+              <a:defRPr sz="1800" kern="1200">
+                <a:solidFill>
+                  <a:srgbClr val="30445C"/>
+                </a:solidFill>
+                <a:latin typeface="Arial" panose="020B0604020202020204" pitchFamily="34" charset="0"/>
+                <a:ea typeface="+mn-ea"/>
+                <a:cs typeface="Arial" panose="020B0604020202020204" pitchFamily="34" charset="0"/>
+              </a:defRPr>
+            </a:lvl5pPr>
+            <a:lvl6pPr marL="2514600" indent="-228600" algn="l" defTabSz="914400" rtl="0" eaLnBrk="1" latinLnBrk="0" hangingPunct="1">
+              <a:lnSpc>
+                <a:spcPct val="90000"/>
+              </a:lnSpc>
+              <a:spcBef>
+                <a:spcPts val="500"/>
+              </a:spcBef>
+              <a:buFont typeface="Arial" panose="020B0604020202020204" pitchFamily="34" charset="0"/>
+              <a:buChar char="•"/>
+              <a:defRPr sz="1800" kern="1200">
+                <a:solidFill>
+                  <a:schemeClr val="tx1"/>
+                </a:solidFill>
+                <a:latin typeface="+mn-lt"/>
+                <a:ea typeface="+mn-ea"/>
+                <a:cs typeface="+mn-cs"/>
+              </a:defRPr>
+            </a:lvl6pPr>
+            <a:lvl7pPr marL="2971800" indent="-228600" algn="l" defTabSz="914400" rtl="0" eaLnBrk="1" latinLnBrk="0" hangingPunct="1">
+              <a:lnSpc>
+                <a:spcPct val="90000"/>
+              </a:lnSpc>
+              <a:spcBef>
+                <a:spcPts val="500"/>
+              </a:spcBef>
+              <a:buFont typeface="Arial" panose="020B0604020202020204" pitchFamily="34" charset="0"/>
+              <a:buChar char="•"/>
+              <a:defRPr sz="1800" kern="1200">
+                <a:solidFill>
+                  <a:schemeClr val="tx1"/>
+                </a:solidFill>
+                <a:latin typeface="+mn-lt"/>
+                <a:ea typeface="+mn-ea"/>
+                <a:cs typeface="+mn-cs"/>
+              </a:defRPr>
+            </a:lvl7pPr>
+            <a:lvl8pPr marL="3429000" indent="-228600" algn="l" defTabSz="914400" rtl="0" eaLnBrk="1" latinLnBrk="0" hangingPunct="1">
+              <a:lnSpc>
+                <a:spcPct val="90000"/>
+              </a:lnSpc>
+              <a:spcBef>
+                <a:spcPts val="500"/>
+              </a:spcBef>
+              <a:buFont typeface="Arial" panose="020B0604020202020204" pitchFamily="34" charset="0"/>
+              <a:buChar char="•"/>
+              <a:defRPr sz="1800" kern="1200">
+                <a:solidFill>
+                  <a:schemeClr val="tx1"/>
+                </a:solidFill>
+                <a:latin typeface="+mn-lt"/>
+                <a:ea typeface="+mn-ea"/>
+                <a:cs typeface="+mn-cs"/>
+              </a:defRPr>
+            </a:lvl8pPr>
+            <a:lvl9pPr marL="3886200" indent="-228600" algn="l" defTabSz="914400" rtl="0" eaLnBrk="1" latinLnBrk="0" hangingPunct="1">
+              <a:lnSpc>
+                <a:spcPct val="90000"/>
+              </a:lnSpc>
+              <a:spcBef>
+                <a:spcPts val="500"/>
+              </a:spcBef>
+              <a:buFont typeface="Arial" panose="020B0604020202020204" pitchFamily="34" charset="0"/>
+              <a:buChar char="•"/>
+              <a:defRPr sz="1800" kern="1200">
+                <a:solidFill>
+                  <a:schemeClr val="tx1"/>
+                </a:solidFill>
+                <a:latin typeface="+mn-lt"/>
+                <a:ea typeface="+mn-ea"/>
+                <a:cs typeface="+mn-cs"/>
+              </a:defRPr>
+            </a:lvl9pPr>
+          </a:lstStyle>
+          <a:p>
+            <a:r>
+              <a:rPr lang="ru-RU" dirty="0">
+                <a:solidFill>
+                  <a:srgbClr val="F7C024"/>
+                </a:solidFill>
+              </a:rPr>
+              <a:t>На практике</a:t>
+            </a:r>
+            <a:endParaRPr lang="en-US" dirty="0">
+              <a:solidFill>
+                <a:srgbClr val="F7C024"/>
+              </a:solidFill>
+            </a:endParaRPr>
+          </a:p>
+        </p:txBody>
+      </p:sp>
+    </p:spTree>
+    <p:extLst>
+      <p:ext uri="{BB962C8B-B14F-4D97-AF65-F5344CB8AC3E}">
+        <p14:creationId xmlns:p14="http://schemas.microsoft.com/office/powerpoint/2010/main" val="248189044"/>
+      </p:ext>
+    </p:extLst>
+  </p:cSld>
+  <p:clrMapOvr>
+    <a:masterClrMapping/>
+  </p:clrMapOvr>
+</p:sld>
+</file>
+
+<file path=ppt/slides/slide5.xml><?xml version="1.0" encoding="utf-8"?>
+<p:sld xmlns:a="http://schemas.openxmlformats.org/drawingml/2006/main" xmlns:r="http://schemas.openxmlformats.org/officeDocument/2006/relationships" xmlns:p="http://schemas.openxmlformats.org/presentationml/2006/main">
+  <p:cSld>
+    <p:spTree>
+      <p:nvGrpSpPr>
+        <p:cNvPr id="1" name=""/>
+        <p:cNvGrpSpPr/>
+        <p:nvPr/>
+      </p:nvGrpSpPr>
+      <p:grpSpPr>
+        <a:xfrm>
+          <a:off x="0" y="0"/>
+          <a:ext cx="0" cy="0"/>
+          <a:chOff x="0" y="0"/>
+          <a:chExt cx="0" cy="0"/>
+        </a:xfrm>
+      </p:grpSpPr>
+      <p:sp>
+        <p:nvSpPr>
+          <p:cNvPr id="3" name="Заголовок 2">
+            <a:extLst>
+              <a:ext uri="{FF2B5EF4-FFF2-40B4-BE49-F238E27FC236}">
+                <a16:creationId xmlns:a16="http://schemas.microsoft.com/office/drawing/2014/main" id="{39433B6A-0550-F8B7-21F6-E0B4B53684A9}"/>
+              </a:ext>
+            </a:extLst>
+          </p:cNvPr>
+          <p:cNvSpPr>
+            <a:spLocks noGrp="1"/>
+          </p:cNvSpPr>
+          <p:nvPr>
+            <p:ph type="title"/>
+          </p:nvPr>
+        </p:nvSpPr>
+        <p:spPr>
+          <a:xfrm>
+            <a:off x="329479" y="213823"/>
+            <a:ext cx="5349426" cy="356969"/>
+          </a:xfrm>
+        </p:spPr>
+        <p:txBody>
+          <a:bodyPr>
+            <a:noAutofit/>
+          </a:bodyPr>
+          <a:lstStyle/>
+          <a:p>
+            <a:r>
+              <a:rPr lang="ru-RU" sz="4000" dirty="0">
+                <a:solidFill>
+                  <a:schemeClr val="tx1"/>
+                </a:solidFill>
+                <a:latin typeface="+mn-lt"/>
+                <a:ea typeface="+mn-ea"/>
+                <a:cs typeface="+mn-cs"/>
+              </a:rPr>
+              <a:t>Где вести доработки?</a:t>
+            </a:r>
+            <a:endParaRPr lang="ru-RU" sz="4000" dirty="0"/>
+          </a:p>
+        </p:txBody>
+      </p:sp>
+      <p:sp>
+        <p:nvSpPr>
+          <p:cNvPr id="5" name="TextBox 4">
+            <a:extLst>
+              <a:ext uri="{FF2B5EF4-FFF2-40B4-BE49-F238E27FC236}">
+                <a16:creationId xmlns:a16="http://schemas.microsoft.com/office/drawing/2014/main" id="{E117C401-AE3C-9FD9-1CAB-E7D28F76FE6A}"/>
+              </a:ext>
+            </a:extLst>
+          </p:cNvPr>
+          <p:cNvSpPr txBox="1"/>
+          <p:nvPr/>
+        </p:nvSpPr>
+        <p:spPr>
+          <a:xfrm>
+            <a:off x="406604" y="691697"/>
+            <a:ext cx="5766521" cy="4739759"/>
+          </a:xfrm>
+          <a:prstGeom prst="rect">
+            <a:avLst/>
+          </a:prstGeom>
+          <a:noFill/>
+        </p:spPr>
+        <p:txBody>
+          <a:bodyPr wrap="square" rtlCol="0">
+            <a:spAutoFit/>
+          </a:bodyPr>
+          <a:lstStyle/>
+          <a:p>
+            <a:pPr marL="285750" indent="-432000">
+              <a:spcBef>
+                <a:spcPts val="1200"/>
+              </a:spcBef>
+              <a:buClr>
+                <a:schemeClr val="accent4"/>
+              </a:buClr>
+              <a:buFont typeface="Courier New" panose="02070309020205020404" pitchFamily="49" charset="0"/>
+              <a:buChar char="o"/>
+            </a:pPr>
+            <a:r>
+              <a:rPr lang="ru-RU" sz="1600" dirty="0"/>
+              <a:t>Все доработки, кастомизирующие конфигурацию вендора, обособлены в отдельной мини-конфигурации – </a:t>
+            </a:r>
+            <a:r>
+              <a:rPr lang="ru-RU" sz="1600" b="1" dirty="0"/>
+              <a:t>в</a:t>
+            </a:r>
+            <a:r>
+              <a:rPr lang="ru-RU" sz="1600" dirty="0"/>
+              <a:t> </a:t>
+            </a:r>
+            <a:r>
+              <a:rPr lang="ru-RU" sz="1600" b="1" i="1" dirty="0"/>
+              <a:t>расширении</a:t>
+            </a:r>
+            <a:r>
+              <a:rPr lang="ru-RU" sz="1600" dirty="0"/>
+              <a:t>.</a:t>
+            </a:r>
+          </a:p>
+          <a:p>
+            <a:pPr marL="285750" indent="-432000">
+              <a:spcBef>
+                <a:spcPts val="1200"/>
+              </a:spcBef>
+              <a:buClr>
+                <a:schemeClr val="accent4"/>
+              </a:buClr>
+              <a:buFont typeface="Courier New" panose="02070309020205020404" pitchFamily="49" charset="0"/>
+              <a:buChar char="o"/>
+            </a:pPr>
+            <a:r>
+              <a:rPr lang="ru-RU" sz="1600" dirty="0"/>
+              <a:t>Несмотря на обилие современных инструментов </a:t>
+            </a:r>
+            <a:r>
+              <a:rPr lang="en-US" sz="1600" dirty="0"/>
+              <a:t>devops, </a:t>
+            </a:r>
+            <a:r>
+              <a:rPr lang="ru-RU" sz="1600" dirty="0"/>
+              <a:t>самым простым и популярным средством сохранения, передачи и версионирования доработок является </a:t>
+            </a:r>
+            <a:r>
+              <a:rPr lang="en-US" sz="1600" dirty="0"/>
+              <a:t>CF/CFE </a:t>
+            </a:r>
+            <a:r>
+              <a:rPr lang="ru-RU" sz="1600" dirty="0"/>
+              <a:t>файл. Чем он меньше – тем быстрее и удобнее выполнять все операции, связанные с ним. </a:t>
+            </a:r>
+            <a:r>
+              <a:rPr lang="en-US" sz="1600" dirty="0"/>
+              <a:t>CFE </a:t>
+            </a:r>
+            <a:r>
+              <a:rPr lang="ru-RU" sz="1600" dirty="0"/>
+              <a:t>файл даже очень большого расширения редко превышает </a:t>
+            </a:r>
+            <a:r>
+              <a:rPr lang="en-US" sz="1600" b="1" dirty="0"/>
+              <a:t>~20 </a:t>
+            </a:r>
+            <a:r>
+              <a:rPr lang="ru-RU" sz="1600" b="1" dirty="0"/>
+              <a:t>мб</a:t>
+            </a:r>
+            <a:r>
+              <a:rPr lang="ru-RU" sz="1600" dirty="0"/>
+              <a:t>, что делает </a:t>
+            </a:r>
+            <a:r>
+              <a:rPr lang="ru-RU" sz="1600" b="1" dirty="0"/>
+              <a:t>работу с ним очень быстрой</a:t>
+            </a:r>
+            <a:r>
+              <a:rPr lang="ru-RU" sz="1600" dirty="0"/>
+              <a:t>.</a:t>
+            </a:r>
+          </a:p>
+          <a:p>
+            <a:pPr marL="285750" indent="-432000">
+              <a:spcBef>
+                <a:spcPts val="1200"/>
+              </a:spcBef>
+              <a:buClr>
+                <a:schemeClr val="accent4"/>
+              </a:buClr>
+              <a:buFont typeface="Courier New" panose="02070309020205020404" pitchFamily="49" charset="0"/>
+              <a:buChar char="o"/>
+            </a:pPr>
+            <a:r>
+              <a:rPr lang="ru-RU" sz="1600" dirty="0"/>
+              <a:t>Версионирование командой либо уже используется, либо будет использоваться. Не важно с помощью чего: </a:t>
+            </a:r>
+            <a:r>
+              <a:rPr lang="en-US" sz="1600" dirty="0"/>
+              <a:t>[EDT + GIT]</a:t>
+            </a:r>
+            <a:r>
+              <a:rPr lang="ru-RU" sz="1600" dirty="0"/>
+              <a:t> или</a:t>
+            </a:r>
+            <a:r>
+              <a:rPr lang="en-US" sz="1600" dirty="0"/>
+              <a:t> [</a:t>
+            </a:r>
+            <a:r>
+              <a:rPr lang="ru-RU" sz="1600" dirty="0"/>
+              <a:t>Хранилище +</a:t>
+            </a:r>
+            <a:r>
+              <a:rPr lang="en-US" sz="1600" dirty="0"/>
+              <a:t> GIT] – </a:t>
+            </a:r>
+            <a:r>
+              <a:rPr lang="ru-RU" sz="1600" b="1" dirty="0"/>
+              <a:t>чем меньше репозиторий</a:t>
+            </a:r>
+            <a:r>
+              <a:rPr lang="ru-RU" sz="1600" dirty="0"/>
+              <a:t>, </a:t>
+            </a:r>
+            <a:r>
+              <a:rPr lang="ru-RU" sz="1600" b="1" dirty="0"/>
+              <a:t>тем</a:t>
+            </a:r>
+            <a:r>
+              <a:rPr lang="ru-RU" sz="1600" dirty="0"/>
+              <a:t> проще и </a:t>
+            </a:r>
+            <a:r>
+              <a:rPr lang="ru-RU" sz="1600" b="1" dirty="0"/>
+              <a:t>быстрее</a:t>
+            </a:r>
+            <a:r>
+              <a:rPr lang="ru-RU" sz="1600" dirty="0"/>
+              <a:t> </a:t>
+            </a:r>
+            <a:r>
+              <a:rPr lang="ru-RU" sz="1600" b="1" dirty="0"/>
+              <a:t>с ним работать</a:t>
+            </a:r>
+            <a:r>
+              <a:rPr lang="ru-RU" sz="1600" dirty="0"/>
+              <a:t>.</a:t>
+            </a:r>
+          </a:p>
+          <a:p>
+            <a:pPr marL="285750" indent="-432000">
+              <a:spcBef>
+                <a:spcPts val="1200"/>
+              </a:spcBef>
+              <a:buClr>
+                <a:schemeClr val="accent4"/>
+              </a:buClr>
+              <a:buFont typeface="Courier New" panose="02070309020205020404" pitchFamily="49" charset="0"/>
+              <a:buChar char="o"/>
+            </a:pPr>
+            <a:r>
+              <a:rPr lang="ru-RU" sz="1600" dirty="0"/>
+              <a:t>Наличие версии расширения позволяет вести учет релизов независимо от типовой конфигурации.</a:t>
+            </a:r>
+          </a:p>
+        </p:txBody>
+      </p:sp>
+      <p:sp>
+        <p:nvSpPr>
+          <p:cNvPr id="2" name="Подзаголовок 4">
+            <a:extLst>
+              <a:ext uri="{FF2B5EF4-FFF2-40B4-BE49-F238E27FC236}">
+                <a16:creationId xmlns:a16="http://schemas.microsoft.com/office/drawing/2014/main" id="{9BF91AAE-F6D9-AE47-DAE8-C301032973C0}"/>
+              </a:ext>
+            </a:extLst>
+          </p:cNvPr>
+          <p:cNvSpPr txBox="1">
+            <a:spLocks/>
+          </p:cNvSpPr>
+          <p:nvPr/>
+        </p:nvSpPr>
+        <p:spPr>
+          <a:xfrm>
+            <a:off x="1669612" y="5431456"/>
+            <a:ext cx="10522387" cy="849106"/>
+          </a:xfrm>
+          <a:prstGeom prst="rect">
+            <a:avLst/>
+          </a:prstGeom>
+        </p:spPr>
+        <p:txBody>
+          <a:bodyPr vert="horz" lIns="91440" tIns="45720" rIns="91440" bIns="45720" rtlCol="0">
+            <a:normAutofit/>
+          </a:bodyPr>
+          <a:lstStyle>
+            <a:lvl1pPr marL="0" indent="0" algn="l" defTabSz="914400" rtl="0" eaLnBrk="1" latinLnBrk="0" hangingPunct="1">
+              <a:lnSpc>
+                <a:spcPct val="90000"/>
+              </a:lnSpc>
+              <a:spcBef>
+                <a:spcPts val="1000"/>
+              </a:spcBef>
+              <a:buFont typeface="Arial" panose="020B0604020202020204" pitchFamily="34" charset="0"/>
+              <a:buNone/>
+              <a:defRPr sz="2400" b="0" i="1" kern="1200">
+                <a:solidFill>
+                  <a:srgbClr val="707588"/>
+                </a:solidFill>
+                <a:latin typeface="Times New Roman" panose="02020603050405020304" pitchFamily="18" charset="0"/>
+                <a:ea typeface="+mn-ea"/>
+                <a:cs typeface="Times New Roman" panose="02020603050405020304" pitchFamily="18" charset="0"/>
+              </a:defRPr>
+            </a:lvl1pPr>
+            <a:lvl2pPr marL="457200" indent="0" algn="l" defTabSz="914400" rtl="0" eaLnBrk="1" latinLnBrk="0" hangingPunct="1">
+              <a:lnSpc>
+                <a:spcPct val="90000"/>
+              </a:lnSpc>
+              <a:spcBef>
+                <a:spcPts val="500"/>
+              </a:spcBef>
+              <a:buFont typeface="Arial" panose="020B0604020202020204" pitchFamily="34" charset="0"/>
+              <a:buNone/>
+              <a:defRPr sz="2400" kern="1200">
+                <a:solidFill>
+                  <a:srgbClr val="30445C"/>
+                </a:solidFill>
+                <a:latin typeface="Arial" panose="020B0604020202020204" pitchFamily="34" charset="0"/>
+                <a:ea typeface="+mn-ea"/>
+                <a:cs typeface="Arial" panose="020B0604020202020204" pitchFamily="34" charset="0"/>
+              </a:defRPr>
+            </a:lvl2pPr>
+            <a:lvl3pPr marL="914400" indent="0" algn="l" defTabSz="914400" rtl="0" eaLnBrk="1" latinLnBrk="0" hangingPunct="1">
+              <a:lnSpc>
+                <a:spcPct val="90000"/>
+              </a:lnSpc>
+              <a:spcBef>
+                <a:spcPts val="500"/>
+              </a:spcBef>
+              <a:buFont typeface="Arial" panose="020B0604020202020204" pitchFamily="34" charset="0"/>
+              <a:buNone/>
+              <a:defRPr sz="2000" kern="1200">
+                <a:solidFill>
+                  <a:srgbClr val="30445C"/>
+                </a:solidFill>
+                <a:latin typeface="Arial" panose="020B0604020202020204" pitchFamily="34" charset="0"/>
+                <a:ea typeface="+mn-ea"/>
+                <a:cs typeface="Arial" panose="020B0604020202020204" pitchFamily="34" charset="0"/>
+              </a:defRPr>
+            </a:lvl3pPr>
+            <a:lvl4pPr marL="1371600" indent="0" algn="l" defTabSz="914400" rtl="0" eaLnBrk="1" latinLnBrk="0" hangingPunct="1">
+              <a:lnSpc>
+                <a:spcPct val="90000"/>
+              </a:lnSpc>
+              <a:spcBef>
+                <a:spcPts val="500"/>
+              </a:spcBef>
+              <a:buFont typeface="Arial" panose="020B0604020202020204" pitchFamily="34" charset="0"/>
+              <a:buNone/>
+              <a:defRPr sz="1800" kern="1200">
+                <a:solidFill>
+                  <a:srgbClr val="30445C"/>
+                </a:solidFill>
+                <a:latin typeface="Arial" panose="020B0604020202020204" pitchFamily="34" charset="0"/>
+                <a:ea typeface="+mn-ea"/>
+                <a:cs typeface="Arial" panose="020B0604020202020204" pitchFamily="34" charset="0"/>
+              </a:defRPr>
+            </a:lvl4pPr>
+            <a:lvl5pPr marL="1828800" indent="0" algn="l" defTabSz="914400" rtl="0" eaLnBrk="1" latinLnBrk="0" hangingPunct="1">
+              <a:lnSpc>
+                <a:spcPct val="90000"/>
+              </a:lnSpc>
+              <a:spcBef>
+                <a:spcPts val="500"/>
+              </a:spcBef>
+              <a:buFont typeface="Arial" panose="020B0604020202020204" pitchFamily="34" charset="0"/>
+              <a:buNone/>
+              <a:defRPr sz="1800" kern="1200">
+                <a:solidFill>
+                  <a:srgbClr val="30445C"/>
+                </a:solidFill>
+                <a:latin typeface="Arial" panose="020B0604020202020204" pitchFamily="34" charset="0"/>
+                <a:ea typeface="+mn-ea"/>
+                <a:cs typeface="Arial" panose="020B0604020202020204" pitchFamily="34" charset="0"/>
+              </a:defRPr>
+            </a:lvl5pPr>
+            <a:lvl6pPr marL="2514600" indent="-228600" algn="l" defTabSz="914400" rtl="0" eaLnBrk="1" latinLnBrk="0" hangingPunct="1">
+              <a:lnSpc>
+                <a:spcPct val="90000"/>
+              </a:lnSpc>
+              <a:spcBef>
+                <a:spcPts val="500"/>
+              </a:spcBef>
+              <a:buFont typeface="Arial" panose="020B0604020202020204" pitchFamily="34" charset="0"/>
+              <a:buChar char="•"/>
+              <a:defRPr sz="1800" kern="1200">
+                <a:solidFill>
+                  <a:schemeClr val="tx1"/>
+                </a:solidFill>
+                <a:latin typeface="+mn-lt"/>
+                <a:ea typeface="+mn-ea"/>
+                <a:cs typeface="+mn-cs"/>
+              </a:defRPr>
+            </a:lvl6pPr>
+            <a:lvl7pPr marL="2971800" indent="-228600" algn="l" defTabSz="914400" rtl="0" eaLnBrk="1" latinLnBrk="0" hangingPunct="1">
+              <a:lnSpc>
+                <a:spcPct val="90000"/>
+              </a:lnSpc>
+              <a:spcBef>
+                <a:spcPts val="500"/>
+              </a:spcBef>
+              <a:buFont typeface="Arial" panose="020B0604020202020204" pitchFamily="34" charset="0"/>
+              <a:buChar char="•"/>
+              <a:defRPr sz="1800" kern="1200">
+                <a:solidFill>
+                  <a:schemeClr val="tx1"/>
+                </a:solidFill>
+                <a:latin typeface="+mn-lt"/>
+                <a:ea typeface="+mn-ea"/>
+                <a:cs typeface="+mn-cs"/>
+              </a:defRPr>
+            </a:lvl7pPr>
+            <a:lvl8pPr marL="3429000" indent="-228600" algn="l" defTabSz="914400" rtl="0" eaLnBrk="1" latinLnBrk="0" hangingPunct="1">
+              <a:lnSpc>
+                <a:spcPct val="90000"/>
+              </a:lnSpc>
+              <a:spcBef>
+                <a:spcPts val="500"/>
+              </a:spcBef>
+              <a:buFont typeface="Arial" panose="020B0604020202020204" pitchFamily="34" charset="0"/>
+              <a:buChar char="•"/>
+              <a:defRPr sz="1800" kern="1200">
+                <a:solidFill>
+                  <a:schemeClr val="tx1"/>
+                </a:solidFill>
+                <a:latin typeface="+mn-lt"/>
+                <a:ea typeface="+mn-ea"/>
+                <a:cs typeface="+mn-cs"/>
+              </a:defRPr>
+            </a:lvl8pPr>
+            <a:lvl9pPr marL="3886200" indent="-228600" algn="l" defTabSz="914400" rtl="0" eaLnBrk="1" latinLnBrk="0" hangingPunct="1">
+              <a:lnSpc>
+                <a:spcPct val="90000"/>
+              </a:lnSpc>
+              <a:spcBef>
+                <a:spcPts val="500"/>
+              </a:spcBef>
+              <a:buFont typeface="Arial" panose="020B0604020202020204" pitchFamily="34" charset="0"/>
+              <a:buChar char="•"/>
+              <a:defRPr sz="1800" kern="1200">
+                <a:solidFill>
+                  <a:schemeClr val="tx1"/>
+                </a:solidFill>
+                <a:latin typeface="+mn-lt"/>
+                <a:ea typeface="+mn-ea"/>
+                <a:cs typeface="+mn-cs"/>
+              </a:defRPr>
+            </a:lvl9pPr>
+          </a:lstStyle>
+          <a:p>
+            <a:r>
+              <a:rPr lang="ru-RU" dirty="0">
+                <a:solidFill>
+                  <a:srgbClr val="F7C024"/>
+                </a:solidFill>
+              </a:rPr>
+              <a:t>Все доработки, которые можно вести в расширении – нужно </a:t>
+            </a:r>
+            <a:r>
+              <a:rPr lang="ru-RU" b="1" dirty="0">
+                <a:solidFill>
+                  <a:srgbClr val="F7C024"/>
+                </a:solidFill>
+              </a:rPr>
+              <a:t>вести расширении</a:t>
+            </a:r>
+            <a:r>
+              <a:rPr lang="ru-RU" dirty="0">
+                <a:solidFill>
+                  <a:srgbClr val="F7C024"/>
+                </a:solidFill>
+              </a:rPr>
+              <a:t>.</a:t>
+            </a:r>
+            <a:endParaRPr lang="en-US" dirty="0">
+              <a:solidFill>
+                <a:srgbClr val="F7C024"/>
+              </a:solidFill>
+            </a:endParaRPr>
+          </a:p>
+        </p:txBody>
+      </p:sp>
+      <p:sp>
+        <p:nvSpPr>
+          <p:cNvPr id="4" name="TextBox 3">
+            <a:extLst>
+              <a:ext uri="{FF2B5EF4-FFF2-40B4-BE49-F238E27FC236}">
+                <a16:creationId xmlns:a16="http://schemas.microsoft.com/office/drawing/2014/main" id="{8BAB8969-7C28-161C-DA1B-877FDC82DBF6}"/>
+              </a:ext>
+            </a:extLst>
+          </p:cNvPr>
+          <p:cNvSpPr txBox="1"/>
+          <p:nvPr/>
+        </p:nvSpPr>
+        <p:spPr>
+          <a:xfrm>
+            <a:off x="6173125" y="691697"/>
+            <a:ext cx="5766521" cy="4339650"/>
+          </a:xfrm>
+          <a:prstGeom prst="rect">
+            <a:avLst/>
+          </a:prstGeom>
+          <a:noFill/>
+        </p:spPr>
+        <p:txBody>
+          <a:bodyPr wrap="square" rtlCol="0">
+            <a:spAutoFit/>
+          </a:bodyPr>
+          <a:lstStyle/>
+          <a:p>
+            <a:pPr marL="285750" indent="-432000">
+              <a:spcBef>
+                <a:spcPts val="1200"/>
+              </a:spcBef>
+              <a:buClr>
+                <a:schemeClr val="accent4"/>
+              </a:buClr>
+              <a:buFont typeface="Courier New" panose="02070309020205020404" pitchFamily="49" charset="0"/>
+              <a:buChar char="o"/>
+            </a:pPr>
+            <a:r>
+              <a:rPr lang="ru-RU" sz="1600" dirty="0"/>
+              <a:t>При ведении доработок в расширении значительно упрощается поддержка актуальности этих доработок. Зачастую то, что было исправлено непосредственно в основной конфигурации, даже когда необходимость в этой доработке исчезла, остается в ней навсегда, т.к. откатить изменение не так просто – нужно сравнивать с конфигурацией поставщика, возвращать объект метаданных на поддержку и т.д. В результате зачастую на возрастном проекте из всех доработок основной конфигурации актуальны лишь 50%, и понять что действительно нужно, а что нет – крайне сложно. В расширении все проще – можно просто </a:t>
+            </a:r>
+            <a:r>
+              <a:rPr lang="ru-RU" sz="1600" b="1" dirty="0"/>
+              <a:t>удалить заимствованный объект метаданных и он возвратится к типовому виду</a:t>
+            </a:r>
+            <a:r>
+              <a:rPr lang="ru-RU" sz="1600" dirty="0"/>
+              <a:t>.</a:t>
+            </a:r>
+            <a:endParaRPr lang="en-US" sz="1600" dirty="0"/>
+          </a:p>
+          <a:p>
+            <a:pPr marL="285750" indent="-432000">
+              <a:spcBef>
+                <a:spcPts val="1200"/>
+              </a:spcBef>
+              <a:buClr>
+                <a:schemeClr val="accent4"/>
+              </a:buClr>
+              <a:buFont typeface="Courier New" panose="02070309020205020404" pitchFamily="49" charset="0"/>
+              <a:buChar char="o"/>
+            </a:pPr>
+            <a:r>
+              <a:rPr lang="en-US" sz="1600" dirty="0"/>
+              <a:t>TODO</a:t>
+            </a:r>
+            <a:endParaRPr lang="ru-RU" sz="1600" dirty="0"/>
+          </a:p>
+          <a:p>
+            <a:pPr marL="285750" indent="-432000">
+              <a:spcBef>
+                <a:spcPts val="1200"/>
+              </a:spcBef>
+              <a:buClr>
+                <a:schemeClr val="accent4"/>
+              </a:buClr>
+              <a:buFont typeface="Courier New" panose="02070309020205020404" pitchFamily="49" charset="0"/>
+              <a:buChar char="o"/>
+            </a:pPr>
+            <a:endParaRPr lang="ru-RU" sz="1600" dirty="0"/>
+          </a:p>
+        </p:txBody>
+      </p:sp>
+      <p:sp>
+        <p:nvSpPr>
+          <p:cNvPr id="6" name="Заголовок 2">
+            <a:extLst>
+              <a:ext uri="{FF2B5EF4-FFF2-40B4-BE49-F238E27FC236}">
+                <a16:creationId xmlns:a16="http://schemas.microsoft.com/office/drawing/2014/main" id="{E94FFFE1-6996-D7F2-A38C-E6DD189132A3}"/>
+              </a:ext>
+            </a:extLst>
+          </p:cNvPr>
+          <p:cNvSpPr txBox="1">
+            <a:spLocks/>
+          </p:cNvSpPr>
+          <p:nvPr/>
+        </p:nvSpPr>
+        <p:spPr>
+          <a:xfrm>
+            <a:off x="6667345" y="220950"/>
+            <a:ext cx="5349426" cy="356969"/>
+          </a:xfrm>
+          <a:prstGeom prst="rect">
+            <a:avLst/>
+          </a:prstGeom>
+        </p:spPr>
+        <p:txBody>
+          <a:bodyPr vert="horz" lIns="91440" tIns="45720" rIns="91440" bIns="45720" rtlCol="0" anchor="ctr">
+            <a:noAutofit/>
+          </a:bodyPr>
+          <a:lstStyle>
+            <a:lvl1pPr algn="l" defTabSz="914400" rtl="0" eaLnBrk="1" latinLnBrk="0" hangingPunct="1">
+              <a:lnSpc>
+                <a:spcPct val="90000"/>
+              </a:lnSpc>
+              <a:spcBef>
+                <a:spcPct val="0"/>
+              </a:spcBef>
+              <a:buNone/>
+              <a:defRPr sz="2400" kern="1200">
+                <a:solidFill>
+                  <a:srgbClr val="30445C"/>
+                </a:solidFill>
+                <a:latin typeface="Arial" panose="020B0604020202020204" pitchFamily="34" charset="0"/>
+                <a:ea typeface="+mj-ea"/>
+                <a:cs typeface="Arial" panose="020B0604020202020204" pitchFamily="34" charset="0"/>
+              </a:defRPr>
+            </a:lvl1pPr>
+          </a:lstStyle>
+          <a:p>
+            <a:pPr algn="r"/>
+            <a:r>
+              <a:rPr lang="ru-RU" sz="4000" dirty="0">
+                <a:solidFill>
+                  <a:schemeClr val="tx1"/>
+                </a:solidFill>
+                <a:latin typeface="+mn-lt"/>
+                <a:ea typeface="+mn-ea"/>
+                <a:cs typeface="+mn-cs"/>
+              </a:rPr>
+              <a:t>2/3</a:t>
+            </a:r>
+            <a:endParaRPr lang="ru-RU" sz="4000" dirty="0"/>
+          </a:p>
+        </p:txBody>
+      </p:sp>
+      <p:pic>
+        <p:nvPicPr>
+          <p:cNvPr id="7" name="Рисунок 6" descr="Значок &quot;Галочка1&quot; со сплошной заливкой">
+            <a:extLst>
+              <a:ext uri="{FF2B5EF4-FFF2-40B4-BE49-F238E27FC236}">
+                <a16:creationId xmlns:a16="http://schemas.microsoft.com/office/drawing/2014/main" id="{9C00555C-98F1-3A2C-ED1B-DEF5E192DCF9}"/>
+              </a:ext>
+            </a:extLst>
+          </p:cNvPr>
+          <p:cNvPicPr>
+            <a:picLocks noChangeAspect="1"/>
+          </p:cNvPicPr>
+          <p:nvPr/>
+        </p:nvPicPr>
+        <p:blipFill>
+          <a:blip r:embed="rId3">
+            <a:extLst>
+              <a:ext uri="{96DAC541-7B7A-43D3-8B79-37D633B846F1}">
+                <asvg:svgBlip xmlns:asvg="http://schemas.microsoft.com/office/drawing/2016/SVG/main" r:embed="rId4"/>
+              </a:ext>
+            </a:extLst>
+          </a:blip>
+          <a:stretch>
+            <a:fillRect/>
+          </a:stretch>
+        </p:blipFill>
+        <p:spPr>
+          <a:xfrm>
+            <a:off x="722594" y="5337394"/>
+            <a:ext cx="914400" cy="914400"/>
+          </a:xfrm>
+          <a:prstGeom prst="rect">
+            <a:avLst/>
+          </a:prstGeom>
+        </p:spPr>
+      </p:pic>
+    </p:spTree>
+    <p:extLst>
+      <p:ext uri="{BB962C8B-B14F-4D97-AF65-F5344CB8AC3E}">
+        <p14:creationId xmlns:p14="http://schemas.microsoft.com/office/powerpoint/2010/main" val="3437747128"/>
+      </p:ext>
+    </p:extLst>
+  </p:cSld>
+  <p:clrMapOvr>
+    <a:masterClrMapping/>
+  </p:clrMapOvr>
+</p:sld>
+</file>
+
+<file path=ppt/slides/slide6.xml><?xml version="1.0" encoding="utf-8"?>
+<p:sld xmlns:a="http://schemas.openxmlformats.org/drawingml/2006/main" xmlns:r="http://schemas.openxmlformats.org/officeDocument/2006/relationships" xmlns:p="http://schemas.openxmlformats.org/presentationml/2006/main">
+  <p:cSld>
+    <p:spTree>
+      <p:nvGrpSpPr>
+        <p:cNvPr id="1" name=""/>
+        <p:cNvGrpSpPr/>
+        <p:nvPr/>
+      </p:nvGrpSpPr>
+      <p:grpSpPr>
+        <a:xfrm>
+          <a:off x="0" y="0"/>
+          <a:ext cx="0" cy="0"/>
+          <a:chOff x="0" y="0"/>
+          <a:chExt cx="0" cy="0"/>
+        </a:xfrm>
+      </p:grpSpPr>
+      <p:sp>
+        <p:nvSpPr>
+          <p:cNvPr id="3" name="Заголовок 2">
+            <a:extLst>
+              <a:ext uri="{FF2B5EF4-FFF2-40B4-BE49-F238E27FC236}">
+                <a16:creationId xmlns:a16="http://schemas.microsoft.com/office/drawing/2014/main" id="{39433B6A-0550-F8B7-21F6-E0B4B53684A9}"/>
+              </a:ext>
+            </a:extLst>
+          </p:cNvPr>
+          <p:cNvSpPr>
+            <a:spLocks noGrp="1"/>
+          </p:cNvSpPr>
+          <p:nvPr>
+            <p:ph type="title"/>
+          </p:nvPr>
+        </p:nvSpPr>
+        <p:spPr>
+          <a:xfrm>
+            <a:off x="329478" y="213823"/>
+            <a:ext cx="10628513" cy="356969"/>
+          </a:xfrm>
+        </p:spPr>
+        <p:txBody>
+          <a:bodyPr>
+            <a:noAutofit/>
+          </a:bodyPr>
+          <a:lstStyle/>
+          <a:p>
+            <a:r>
+              <a:rPr lang="ru-RU" sz="4000" dirty="0">
+                <a:solidFill>
+                  <a:schemeClr val="tx1"/>
+                </a:solidFill>
+                <a:latin typeface="+mn-lt"/>
+                <a:ea typeface="+mn-ea"/>
+                <a:cs typeface="+mn-cs"/>
+              </a:rPr>
+              <a:t>Что нельзя вести в расширении?</a:t>
+            </a:r>
+            <a:endParaRPr lang="ru-RU" sz="4000" dirty="0"/>
+          </a:p>
+        </p:txBody>
+      </p:sp>
+      <p:sp>
+        <p:nvSpPr>
+          <p:cNvPr id="5" name="TextBox 4">
+            <a:extLst>
+              <a:ext uri="{FF2B5EF4-FFF2-40B4-BE49-F238E27FC236}">
+                <a16:creationId xmlns:a16="http://schemas.microsoft.com/office/drawing/2014/main" id="{E117C401-AE3C-9FD9-1CAB-E7D28F76FE6A}"/>
+              </a:ext>
+            </a:extLst>
+          </p:cNvPr>
+          <p:cNvSpPr txBox="1"/>
+          <p:nvPr/>
+        </p:nvSpPr>
+        <p:spPr>
+          <a:xfrm>
+            <a:off x="406604" y="691697"/>
+            <a:ext cx="5766521" cy="338554"/>
+          </a:xfrm>
+          <a:prstGeom prst="rect">
+            <a:avLst/>
+          </a:prstGeom>
+          <a:noFill/>
+        </p:spPr>
+        <p:txBody>
+          <a:bodyPr wrap="square" rtlCol="0">
+            <a:spAutoFit/>
+          </a:bodyPr>
+          <a:lstStyle/>
+          <a:p>
+            <a:pPr marL="285750" indent="-432000">
+              <a:spcBef>
+                <a:spcPts val="1200"/>
+              </a:spcBef>
+              <a:buClr>
+                <a:schemeClr val="accent4"/>
+              </a:buClr>
+              <a:buFont typeface="Courier New" panose="02070309020205020404" pitchFamily="49" charset="0"/>
+              <a:buChar char="o"/>
+            </a:pPr>
+            <a:r>
+              <a:rPr lang="en-US" sz="1600" dirty="0"/>
+              <a:t>TODO</a:t>
+            </a:r>
+            <a:endParaRPr lang="ru-RU" sz="1600" dirty="0"/>
+          </a:p>
+        </p:txBody>
+      </p:sp>
+      <p:sp>
+        <p:nvSpPr>
+          <p:cNvPr id="2" name="Подзаголовок 4">
+            <a:extLst>
+              <a:ext uri="{FF2B5EF4-FFF2-40B4-BE49-F238E27FC236}">
+                <a16:creationId xmlns:a16="http://schemas.microsoft.com/office/drawing/2014/main" id="{9BF91AAE-F6D9-AE47-DAE8-C301032973C0}"/>
+              </a:ext>
+            </a:extLst>
+          </p:cNvPr>
+          <p:cNvSpPr txBox="1">
+            <a:spLocks/>
+          </p:cNvSpPr>
+          <p:nvPr/>
+        </p:nvSpPr>
+        <p:spPr>
+          <a:xfrm>
+            <a:off x="504708" y="5431456"/>
+            <a:ext cx="11687292" cy="849106"/>
+          </a:xfrm>
+          <a:prstGeom prst="rect">
+            <a:avLst/>
+          </a:prstGeom>
+        </p:spPr>
+        <p:txBody>
+          <a:bodyPr vert="horz" lIns="91440" tIns="45720" rIns="91440" bIns="45720" rtlCol="0">
+            <a:normAutofit/>
+          </a:bodyPr>
+          <a:lstStyle>
+            <a:lvl1pPr marL="0" indent="0" algn="l" defTabSz="914400" rtl="0" eaLnBrk="1" latinLnBrk="0" hangingPunct="1">
+              <a:lnSpc>
+                <a:spcPct val="90000"/>
+              </a:lnSpc>
+              <a:spcBef>
+                <a:spcPts val="1000"/>
+              </a:spcBef>
+              <a:buFont typeface="Arial" panose="020B0604020202020204" pitchFamily="34" charset="0"/>
+              <a:buNone/>
+              <a:defRPr sz="2400" b="0" i="1" kern="1200">
+                <a:solidFill>
+                  <a:srgbClr val="707588"/>
+                </a:solidFill>
+                <a:latin typeface="Times New Roman" panose="02020603050405020304" pitchFamily="18" charset="0"/>
+                <a:ea typeface="+mn-ea"/>
+                <a:cs typeface="Times New Roman" panose="02020603050405020304" pitchFamily="18" charset="0"/>
+              </a:defRPr>
+            </a:lvl1pPr>
+            <a:lvl2pPr marL="457200" indent="0" algn="l" defTabSz="914400" rtl="0" eaLnBrk="1" latinLnBrk="0" hangingPunct="1">
+              <a:lnSpc>
+                <a:spcPct val="90000"/>
+              </a:lnSpc>
+              <a:spcBef>
+                <a:spcPts val="500"/>
+              </a:spcBef>
+              <a:buFont typeface="Arial" panose="020B0604020202020204" pitchFamily="34" charset="0"/>
+              <a:buNone/>
+              <a:defRPr sz="2400" kern="1200">
+                <a:solidFill>
+                  <a:srgbClr val="30445C"/>
+                </a:solidFill>
+                <a:latin typeface="Arial" panose="020B0604020202020204" pitchFamily="34" charset="0"/>
+                <a:ea typeface="+mn-ea"/>
+                <a:cs typeface="Arial" panose="020B0604020202020204" pitchFamily="34" charset="0"/>
+              </a:defRPr>
+            </a:lvl2pPr>
+            <a:lvl3pPr marL="914400" indent="0" algn="l" defTabSz="914400" rtl="0" eaLnBrk="1" latinLnBrk="0" hangingPunct="1">
+              <a:lnSpc>
+                <a:spcPct val="90000"/>
+              </a:lnSpc>
+              <a:spcBef>
+                <a:spcPts val="500"/>
+              </a:spcBef>
+              <a:buFont typeface="Arial" panose="020B0604020202020204" pitchFamily="34" charset="0"/>
+              <a:buNone/>
+              <a:defRPr sz="2000" kern="1200">
+                <a:solidFill>
+                  <a:srgbClr val="30445C"/>
+                </a:solidFill>
+                <a:latin typeface="Arial" panose="020B0604020202020204" pitchFamily="34" charset="0"/>
+                <a:ea typeface="+mn-ea"/>
+                <a:cs typeface="Arial" panose="020B0604020202020204" pitchFamily="34" charset="0"/>
+              </a:defRPr>
+            </a:lvl3pPr>
+            <a:lvl4pPr marL="1371600" indent="0" algn="l" defTabSz="914400" rtl="0" eaLnBrk="1" latinLnBrk="0" hangingPunct="1">
+              <a:lnSpc>
+                <a:spcPct val="90000"/>
+              </a:lnSpc>
+              <a:spcBef>
+                <a:spcPts val="500"/>
+              </a:spcBef>
+              <a:buFont typeface="Arial" panose="020B0604020202020204" pitchFamily="34" charset="0"/>
+              <a:buNone/>
+              <a:defRPr sz="1800" kern="1200">
+                <a:solidFill>
+                  <a:srgbClr val="30445C"/>
+                </a:solidFill>
+                <a:latin typeface="Arial" panose="020B0604020202020204" pitchFamily="34" charset="0"/>
+                <a:ea typeface="+mn-ea"/>
+                <a:cs typeface="Arial" panose="020B0604020202020204" pitchFamily="34" charset="0"/>
+              </a:defRPr>
+            </a:lvl4pPr>
+            <a:lvl5pPr marL="1828800" indent="0" algn="l" defTabSz="914400" rtl="0" eaLnBrk="1" latinLnBrk="0" hangingPunct="1">
+              <a:lnSpc>
+                <a:spcPct val="90000"/>
+              </a:lnSpc>
+              <a:spcBef>
+                <a:spcPts val="500"/>
+              </a:spcBef>
+              <a:buFont typeface="Arial" panose="020B0604020202020204" pitchFamily="34" charset="0"/>
+              <a:buNone/>
+              <a:defRPr sz="1800" kern="1200">
+                <a:solidFill>
+                  <a:srgbClr val="30445C"/>
+                </a:solidFill>
+                <a:latin typeface="Arial" panose="020B0604020202020204" pitchFamily="34" charset="0"/>
+                <a:ea typeface="+mn-ea"/>
+                <a:cs typeface="Arial" panose="020B0604020202020204" pitchFamily="34" charset="0"/>
+              </a:defRPr>
+            </a:lvl5pPr>
+            <a:lvl6pPr marL="2514600" indent="-228600" algn="l" defTabSz="914400" rtl="0" eaLnBrk="1" latinLnBrk="0" hangingPunct="1">
+              <a:lnSpc>
+                <a:spcPct val="90000"/>
+              </a:lnSpc>
+              <a:spcBef>
+                <a:spcPts val="500"/>
+              </a:spcBef>
+              <a:buFont typeface="Arial" panose="020B0604020202020204" pitchFamily="34" charset="0"/>
+              <a:buChar char="•"/>
+              <a:defRPr sz="1800" kern="1200">
+                <a:solidFill>
+                  <a:schemeClr val="tx1"/>
+                </a:solidFill>
+                <a:latin typeface="+mn-lt"/>
+                <a:ea typeface="+mn-ea"/>
+                <a:cs typeface="+mn-cs"/>
+              </a:defRPr>
+            </a:lvl6pPr>
+            <a:lvl7pPr marL="2971800" indent="-228600" algn="l" defTabSz="914400" rtl="0" eaLnBrk="1" latinLnBrk="0" hangingPunct="1">
+              <a:lnSpc>
+                <a:spcPct val="90000"/>
+              </a:lnSpc>
+              <a:spcBef>
+                <a:spcPts val="500"/>
+              </a:spcBef>
+              <a:buFont typeface="Arial" panose="020B0604020202020204" pitchFamily="34" charset="0"/>
+              <a:buChar char="•"/>
+              <a:defRPr sz="1800" kern="1200">
+                <a:solidFill>
+                  <a:schemeClr val="tx1"/>
+                </a:solidFill>
+                <a:latin typeface="+mn-lt"/>
+                <a:ea typeface="+mn-ea"/>
+                <a:cs typeface="+mn-cs"/>
+              </a:defRPr>
+            </a:lvl7pPr>
+            <a:lvl8pPr marL="3429000" indent="-228600" algn="l" defTabSz="914400" rtl="0" eaLnBrk="1" latinLnBrk="0" hangingPunct="1">
+              <a:lnSpc>
+                <a:spcPct val="90000"/>
+              </a:lnSpc>
+              <a:spcBef>
+                <a:spcPts val="500"/>
+              </a:spcBef>
+              <a:buFont typeface="Arial" panose="020B0604020202020204" pitchFamily="34" charset="0"/>
+              <a:buChar char="•"/>
+              <a:defRPr sz="1800" kern="1200">
+                <a:solidFill>
+                  <a:schemeClr val="tx1"/>
+                </a:solidFill>
+                <a:latin typeface="+mn-lt"/>
+                <a:ea typeface="+mn-ea"/>
+                <a:cs typeface="+mn-cs"/>
+              </a:defRPr>
+            </a:lvl8pPr>
+            <a:lvl9pPr marL="3886200" indent="-228600" algn="l" defTabSz="914400" rtl="0" eaLnBrk="1" latinLnBrk="0" hangingPunct="1">
+              <a:lnSpc>
+                <a:spcPct val="90000"/>
+              </a:lnSpc>
+              <a:spcBef>
+                <a:spcPts val="500"/>
+              </a:spcBef>
+              <a:buFont typeface="Arial" panose="020B0604020202020204" pitchFamily="34" charset="0"/>
+              <a:buChar char="•"/>
+              <a:defRPr sz="1800" kern="1200">
+                <a:solidFill>
+                  <a:schemeClr val="tx1"/>
+                </a:solidFill>
+                <a:latin typeface="+mn-lt"/>
+                <a:ea typeface="+mn-ea"/>
+                <a:cs typeface="+mn-cs"/>
+              </a:defRPr>
+            </a:lvl9pPr>
+          </a:lstStyle>
+          <a:p>
+            <a:r>
+              <a:rPr lang="ru-RU" dirty="0">
+                <a:solidFill>
+                  <a:srgbClr val="F7C024"/>
+                </a:solidFill>
+              </a:rPr>
+              <a:t>Все доработки, которые можно вести в расширении – нужно </a:t>
+            </a:r>
+            <a:r>
+              <a:rPr lang="ru-RU" b="1" dirty="0">
+                <a:solidFill>
+                  <a:srgbClr val="F7C024"/>
+                </a:solidFill>
+              </a:rPr>
+              <a:t>вести в одном расширении</a:t>
+            </a:r>
+            <a:r>
+              <a:rPr lang="ru-RU" dirty="0">
+                <a:solidFill>
+                  <a:srgbClr val="F7C024"/>
+                </a:solidFill>
+              </a:rPr>
+              <a:t>.</a:t>
+            </a:r>
+            <a:endParaRPr lang="en-US" dirty="0">
+              <a:solidFill>
+                <a:srgbClr val="F7C024"/>
+              </a:solidFill>
+            </a:endParaRPr>
+          </a:p>
+        </p:txBody>
+      </p:sp>
+      <p:sp>
+        <p:nvSpPr>
+          <p:cNvPr id="4" name="TextBox 3">
+            <a:extLst>
+              <a:ext uri="{FF2B5EF4-FFF2-40B4-BE49-F238E27FC236}">
+                <a16:creationId xmlns:a16="http://schemas.microsoft.com/office/drawing/2014/main" id="{8BAB8969-7C28-161C-DA1B-877FDC82DBF6}"/>
+              </a:ext>
+            </a:extLst>
+          </p:cNvPr>
+          <p:cNvSpPr txBox="1"/>
+          <p:nvPr/>
+        </p:nvSpPr>
+        <p:spPr>
+          <a:xfrm>
+            <a:off x="6173125" y="691697"/>
+            <a:ext cx="5766521" cy="338554"/>
+          </a:xfrm>
+          <a:prstGeom prst="rect">
+            <a:avLst/>
+          </a:prstGeom>
+          <a:noFill/>
+        </p:spPr>
+        <p:txBody>
+          <a:bodyPr wrap="square" rtlCol="0">
+            <a:spAutoFit/>
+          </a:bodyPr>
+          <a:lstStyle/>
+          <a:p>
+            <a:pPr marL="285750" indent="-432000">
+              <a:spcBef>
+                <a:spcPts val="1200"/>
+              </a:spcBef>
+              <a:buClr>
+                <a:schemeClr val="accent4"/>
+              </a:buClr>
+              <a:buFont typeface="Courier New" panose="02070309020205020404" pitchFamily="49" charset="0"/>
+              <a:buChar char="o"/>
+            </a:pPr>
+            <a:r>
+              <a:rPr lang="en-US" sz="1600" dirty="0"/>
+              <a:t>TODO</a:t>
+            </a:r>
+            <a:endParaRPr lang="ru-RU" sz="1600" dirty="0"/>
+          </a:p>
+        </p:txBody>
+      </p:sp>
+      <p:sp>
+        <p:nvSpPr>
+          <p:cNvPr id="6" name="Заголовок 2">
+            <a:extLst>
+              <a:ext uri="{FF2B5EF4-FFF2-40B4-BE49-F238E27FC236}">
+                <a16:creationId xmlns:a16="http://schemas.microsoft.com/office/drawing/2014/main" id="{E94FFFE1-6996-D7F2-A38C-E6DD189132A3}"/>
+              </a:ext>
+            </a:extLst>
+          </p:cNvPr>
+          <p:cNvSpPr txBox="1">
+            <a:spLocks/>
+          </p:cNvSpPr>
+          <p:nvPr/>
+        </p:nvSpPr>
+        <p:spPr>
+          <a:xfrm>
+            <a:off x="6667345" y="220950"/>
+            <a:ext cx="5349426" cy="356969"/>
+          </a:xfrm>
+          <a:prstGeom prst="rect">
+            <a:avLst/>
+          </a:prstGeom>
+        </p:spPr>
+        <p:txBody>
+          <a:bodyPr vert="horz" lIns="91440" tIns="45720" rIns="91440" bIns="45720" rtlCol="0" anchor="ctr">
+            <a:noAutofit/>
+          </a:bodyPr>
+          <a:lstStyle>
+            <a:lvl1pPr algn="l" defTabSz="914400" rtl="0" eaLnBrk="1" latinLnBrk="0" hangingPunct="1">
+              <a:lnSpc>
+                <a:spcPct val="90000"/>
+              </a:lnSpc>
+              <a:spcBef>
+                <a:spcPct val="0"/>
+              </a:spcBef>
+              <a:buNone/>
+              <a:defRPr sz="2400" kern="1200">
+                <a:solidFill>
+                  <a:srgbClr val="30445C"/>
+                </a:solidFill>
+                <a:latin typeface="Arial" panose="020B0604020202020204" pitchFamily="34" charset="0"/>
+                <a:ea typeface="+mj-ea"/>
+                <a:cs typeface="Arial" panose="020B0604020202020204" pitchFamily="34" charset="0"/>
+              </a:defRPr>
+            </a:lvl1pPr>
+          </a:lstStyle>
+          <a:p>
+            <a:pPr algn="r"/>
+            <a:r>
+              <a:rPr lang="ru-RU" sz="4000" dirty="0">
+                <a:solidFill>
+                  <a:schemeClr val="tx1"/>
+                </a:solidFill>
+                <a:latin typeface="+mn-lt"/>
+                <a:ea typeface="+mn-ea"/>
+                <a:cs typeface="+mn-cs"/>
+              </a:rPr>
+              <a:t>3/3</a:t>
+            </a:r>
+            <a:endParaRPr lang="ru-RU" sz="4000" dirty="0"/>
+          </a:p>
+        </p:txBody>
+      </p:sp>
+    </p:spTree>
+    <p:extLst>
+      <p:ext uri="{BB962C8B-B14F-4D97-AF65-F5344CB8AC3E}">
+        <p14:creationId xmlns:p14="http://schemas.microsoft.com/office/powerpoint/2010/main" val="3858309693"/>
+      </p:ext>
+    </p:extLst>
+  </p:cSld>
+  <p:clrMapOvr>
+    <a:masterClrMapping/>
+  </p:clrMapOvr>
+</p:sld>
+</file>
+
+<file path=ppt/slides/slide7.xml><?xml version="1.0" encoding="utf-8"?>
+<p:sld xmlns:a="http://schemas.openxmlformats.org/drawingml/2006/main" xmlns:r="http://schemas.openxmlformats.org/officeDocument/2006/relationships" xmlns:p="http://schemas.openxmlformats.org/presentationml/2006/main">
+  <p:cSld>
+    <p:spTree>
+      <p:nvGrpSpPr>
+        <p:cNvPr id="1" name=""/>
+        <p:cNvGrpSpPr/>
+        <p:nvPr/>
+      </p:nvGrpSpPr>
+      <p:grpSpPr>
+        <a:xfrm>
+          <a:off x="0" y="0"/>
+          <a:ext cx="0" cy="0"/>
+          <a:chOff x="0" y="0"/>
+          <a:chExt cx="0" cy="0"/>
+        </a:xfrm>
+      </p:grpSpPr>
+      <p:sp>
+        <p:nvSpPr>
           <p:cNvPr id="2" name="Подзаголовок 1">
             <a:extLst>
               <a:ext uri="{FF2B5EF4-FFF2-40B4-BE49-F238E27FC236}">
@@ -38912,6 +41829,66 @@
     <p:extLst>
       <p:ext uri="{BB962C8B-B14F-4D97-AF65-F5344CB8AC3E}">
         <p14:creationId xmlns:p14="http://schemas.microsoft.com/office/powerpoint/2010/main" val="3608503784"/>
+      </p:ext>
+    </p:extLst>
+  </p:cSld>
+  <p:clrMapOvr>
+    <a:masterClrMapping/>
+  </p:clrMapOvr>
+</p:sld>
+</file>
+
+<file path=ppt/slides/slide8.xml><?xml version="1.0" encoding="utf-8"?>
+<p:sld xmlns:a="http://schemas.openxmlformats.org/drawingml/2006/main" xmlns:r="http://schemas.openxmlformats.org/officeDocument/2006/relationships" xmlns:p="http://schemas.openxmlformats.org/presentationml/2006/main">
+  <p:cSld>
+    <p:spTree>
+      <p:nvGrpSpPr>
+        <p:cNvPr id="1" name=""/>
+        <p:cNvGrpSpPr/>
+        <p:nvPr/>
+      </p:nvGrpSpPr>
+      <p:grpSpPr>
+        <a:xfrm>
+          <a:off x="0" y="0"/>
+          <a:ext cx="0" cy="0"/>
+          <a:chOff x="0" y="0"/>
+          <a:chExt cx="0" cy="0"/>
+        </a:xfrm>
+      </p:grpSpPr>
+      <p:pic>
+        <p:nvPicPr>
+          <p:cNvPr id="4" name="Рисунок 3" descr="Изображение выглядит как Графика, графический дизайн, текст, Шрифт&#10;&#10;Автоматически созданное описание">
+            <a:extLst>
+              <a:ext uri="{FF2B5EF4-FFF2-40B4-BE49-F238E27FC236}">
+                <a16:creationId xmlns:a16="http://schemas.microsoft.com/office/drawing/2014/main" id="{3E8AA390-AA6B-D367-A342-BB12356ED77D}"/>
+              </a:ext>
+            </a:extLst>
+          </p:cNvPr>
+          <p:cNvPicPr>
+            <a:picLocks noChangeAspect="1"/>
+          </p:cNvPicPr>
+          <p:nvPr/>
+        </p:nvPicPr>
+        <p:blipFill>
+          <a:blip r:embed="rId2"/>
+          <a:stretch>
+            <a:fillRect/>
+          </a:stretch>
+        </p:blipFill>
+        <p:spPr>
+          <a:xfrm>
+            <a:off x="0" y="3185232"/>
+            <a:ext cx="4897024" cy="3672768"/>
+          </a:xfrm>
+          <a:prstGeom prst="rect">
+            <a:avLst/>
+          </a:prstGeom>
+        </p:spPr>
+      </p:pic>
+    </p:spTree>
+    <p:extLst>
+      <p:ext uri="{BB962C8B-B14F-4D97-AF65-F5344CB8AC3E}">
+        <p14:creationId xmlns:p14="http://schemas.microsoft.com/office/powerpoint/2010/main" val="3165337862"/>
       </p:ext>
     </p:extLst>
   </p:cSld>
